--- a/RBasics/R Intro 2.pptx
+++ b/RBasics/R Intro 2.pptx
@@ -7,13 +7,14 @@
   <p:sldIdLst>
     <p:sldId id="256" r:id="rId2"/>
     <p:sldId id="257" r:id="rId3"/>
-    <p:sldId id="258" r:id="rId4"/>
-    <p:sldId id="262" r:id="rId5"/>
-    <p:sldId id="263" r:id="rId6"/>
-    <p:sldId id="259" r:id="rId7"/>
-    <p:sldId id="264" r:id="rId8"/>
-    <p:sldId id="261" r:id="rId9"/>
-    <p:sldId id="260" r:id="rId10"/>
+    <p:sldId id="265" r:id="rId4"/>
+    <p:sldId id="258" r:id="rId5"/>
+    <p:sldId id="262" r:id="rId6"/>
+    <p:sldId id="263" r:id="rId7"/>
+    <p:sldId id="259" r:id="rId8"/>
+    <p:sldId id="264" r:id="rId9"/>
+    <p:sldId id="261" r:id="rId10"/>
+    <p:sldId id="260" r:id="rId11"/>
   </p:sldIdLst>
   <p:sldSz cx="9144000" cy="6858000" type="screen4x3"/>
   <p:notesSz cx="6858000" cy="9144000"/>
@@ -2872,7 +2873,7 @@
           <a:p>
             <a:fld id="{859DDE4C-ED4D-43AA-BF4C-5072BA14E6DB}" type="datetimeFigureOut">
               <a:rPr lang="en-US" smtClean="0"/>
-              <a:t>6/23/2018</a:t>
+              <a:t>6/24/2018</a:t>
             </a:fld>
             <a:endParaRPr lang="en-US"/>
           </a:p>
@@ -3157,7 +3158,7 @@
           <a:p>
             <a:fld id="{859DDE4C-ED4D-43AA-BF4C-5072BA14E6DB}" type="datetimeFigureOut">
               <a:rPr lang="en-US" smtClean="0"/>
-              <a:t>6/23/2018</a:t>
+              <a:t>6/24/2018</a:t>
             </a:fld>
             <a:endParaRPr lang="en-US"/>
           </a:p>
@@ -3332,7 +3333,7 @@
           <a:p>
             <a:fld id="{859DDE4C-ED4D-43AA-BF4C-5072BA14E6DB}" type="datetimeFigureOut">
               <a:rPr lang="en-US" smtClean="0"/>
-              <a:t>6/23/2018</a:t>
+              <a:t>6/24/2018</a:t>
             </a:fld>
             <a:endParaRPr lang="en-US"/>
           </a:p>
@@ -3497,7 +3498,7 @@
           <a:p>
             <a:fld id="{859DDE4C-ED4D-43AA-BF4C-5072BA14E6DB}" type="datetimeFigureOut">
               <a:rPr lang="en-US" smtClean="0"/>
-              <a:t>6/23/2018</a:t>
+              <a:t>6/24/2018</a:t>
             </a:fld>
             <a:endParaRPr lang="en-US"/>
           </a:p>
@@ -3738,7 +3739,7 @@
           <a:p>
             <a:fld id="{859DDE4C-ED4D-43AA-BF4C-5072BA14E6DB}" type="datetimeFigureOut">
               <a:rPr lang="en-US" smtClean="0"/>
-              <a:t>6/23/2018</a:t>
+              <a:t>6/24/2018</a:t>
             </a:fld>
             <a:endParaRPr lang="en-US"/>
           </a:p>
@@ -3851,7 +3852,7 @@
           <a:p>
             <a:fld id="{859DDE4C-ED4D-43AA-BF4C-5072BA14E6DB}" type="datetimeFigureOut">
               <a:rPr lang="en-US" smtClean="0"/>
-              <a:t>6/23/2018</a:t>
+              <a:t>6/24/2018</a:t>
             </a:fld>
             <a:endParaRPr lang="en-US"/>
           </a:p>
@@ -4390,7 +4391,7 @@
           <a:p>
             <a:fld id="{859DDE4C-ED4D-43AA-BF4C-5072BA14E6DB}" type="datetimeFigureOut">
               <a:rPr lang="en-US" smtClean="0"/>
-              <a:t>6/23/2018</a:t>
+              <a:t>6/24/2018</a:t>
             </a:fld>
             <a:endParaRPr lang="en-US"/>
           </a:p>
@@ -4503,7 +4504,7 @@
           <a:p>
             <a:fld id="{859DDE4C-ED4D-43AA-BF4C-5072BA14E6DB}" type="datetimeFigureOut">
               <a:rPr lang="en-US" smtClean="0"/>
-              <a:t>6/23/2018</a:t>
+              <a:t>6/24/2018</a:t>
             </a:fld>
             <a:endParaRPr lang="en-US"/>
           </a:p>
@@ -4593,7 +4594,7 @@
           <a:p>
             <a:fld id="{859DDE4C-ED4D-43AA-BF4C-5072BA14E6DB}" type="datetimeFigureOut">
               <a:rPr lang="en-US" smtClean="0"/>
-              <a:t>6/23/2018</a:t>
+              <a:t>6/24/2018</a:t>
             </a:fld>
             <a:endParaRPr lang="en-US"/>
           </a:p>
@@ -7244,7 +7245,7 @@
           <a:p>
             <a:fld id="{859DDE4C-ED4D-43AA-BF4C-5072BA14E6DB}" type="datetimeFigureOut">
               <a:rPr lang="en-US" smtClean="0"/>
-              <a:t>6/23/2018</a:t>
+              <a:t>6/24/2018</a:t>
             </a:fld>
             <a:endParaRPr lang="en-US"/>
           </a:p>
@@ -10456,7 +10457,7 @@
           <a:p>
             <a:fld id="{859DDE4C-ED4D-43AA-BF4C-5072BA14E6DB}" type="datetimeFigureOut">
               <a:rPr lang="en-US" smtClean="0"/>
-              <a:t>6/23/2018</a:t>
+              <a:t>6/24/2018</a:t>
             </a:fld>
             <a:endParaRPr lang="en-US"/>
           </a:p>
@@ -13278,7 +13279,7 @@
           <a:p>
             <a:fld id="{859DDE4C-ED4D-43AA-BF4C-5072BA14E6DB}" type="datetimeFigureOut">
               <a:rPr lang="en-US" smtClean="0"/>
-              <a:t>6/23/2018</a:t>
+              <a:t>6/24/2018</a:t>
             </a:fld>
             <a:endParaRPr lang="en-US"/>
           </a:p>
@@ -13795,6 +13796,74 @@
 </p:sld>
 </file>
 
+<file path=ppt/slides/slide10.xml><?xml version="1.0" encoding="utf-8"?>
+<p:sld xmlns:a="http://schemas.openxmlformats.org/drawingml/2006/main" xmlns:r="http://schemas.openxmlformats.org/officeDocument/2006/relationships" xmlns:p="http://schemas.openxmlformats.org/presentationml/2006/main">
+  <p:cSld>
+    <p:spTree>
+      <p:nvGrpSpPr>
+        <p:cNvPr id="1" name=""/>
+        <p:cNvGrpSpPr/>
+        <p:nvPr/>
+      </p:nvGrpSpPr>
+      <p:grpSpPr>
+        <a:xfrm>
+          <a:off x="0" y="0"/>
+          <a:ext cx="0" cy="0"/>
+          <a:chOff x="0" y="0"/>
+          <a:chExt cx="0" cy="0"/>
+        </a:xfrm>
+      </p:grpSpPr>
+      <p:sp>
+        <p:nvSpPr>
+          <p:cNvPr id="2" name="Title 1"/>
+          <p:cNvSpPr>
+            <a:spLocks noGrp="1"/>
+          </p:cNvSpPr>
+          <p:nvPr>
+            <p:ph type="title"/>
+          </p:nvPr>
+        </p:nvSpPr>
+        <p:spPr/>
+        <p:txBody>
+          <a:bodyPr/>
+          <a:lstStyle/>
+          <a:p>
+            <a:endParaRPr lang="en-US"/>
+          </a:p>
+        </p:txBody>
+      </p:sp>
+      <p:sp>
+        <p:nvSpPr>
+          <p:cNvPr id="3" name="Content Placeholder 2"/>
+          <p:cNvSpPr>
+            <a:spLocks noGrp="1"/>
+          </p:cNvSpPr>
+          <p:nvPr>
+            <p:ph idx="1"/>
+          </p:nvPr>
+        </p:nvSpPr>
+        <p:spPr/>
+        <p:txBody>
+          <a:bodyPr/>
+          <a:lstStyle/>
+          <a:p>
+            <a:endParaRPr lang="en-US"/>
+          </a:p>
+        </p:txBody>
+      </p:sp>
+    </p:spTree>
+    <p:extLst>
+      <p:ext uri="{BB962C8B-B14F-4D97-AF65-F5344CB8AC3E}">
+        <p14:creationId xmlns:p14="http://schemas.microsoft.com/office/powerpoint/2010/main" val="2628014683"/>
+      </p:ext>
+    </p:extLst>
+  </p:cSld>
+  <p:clrMapOvr>
+    <a:masterClrMapping/>
+  </p:clrMapOvr>
+</p:sld>
+</file>
+
 <file path=ppt/slides/slide2.xml><?xml version="1.0" encoding="utf-8"?>
 <p:sld xmlns:a="http://schemas.openxmlformats.org/drawingml/2006/main" xmlns:r="http://schemas.openxmlformats.org/officeDocument/2006/relationships" xmlns:p="http://schemas.openxmlformats.org/presentationml/2006/main">
   <p:cSld>
@@ -13940,7 +14009,7 @@
           <a:bodyPr/>
           <a:lstStyle/>
           <a:p>
-            <a:endParaRPr lang="en-US" dirty="0"/>
+            <a:endParaRPr lang="en-US"/>
           </a:p>
         </p:txBody>
       </p:sp>
@@ -13960,64 +14029,20 @@
           <a:lstStyle/>
           <a:p>
             <a:r>
-              <a:rPr lang="en-US" dirty="0" smtClean="0"/>
-              <a:t>R Program Originated from “S” Language</a:t>
-            </a:r>
-          </a:p>
-          <a:p>
-            <a:r>
-              <a:rPr lang="en-US" dirty="0" smtClean="0"/>
-              <a:t>S by Rick Becker of Bell Labs</a:t>
-            </a:r>
-          </a:p>
-          <a:p>
-            <a:r>
-              <a:rPr lang="en-US" dirty="0" smtClean="0"/>
-              <a:t>Integrates suite of software</a:t>
-            </a:r>
-          </a:p>
-          <a:p>
-            <a:r>
-              <a:rPr lang="en-US" dirty="0" smtClean="0"/>
-              <a:t>R by Ross </a:t>
+              <a:rPr lang="en-US" b="1" dirty="0"/>
+              <a:t>Comprehensive R Archive </a:t>
             </a:r>
             <a:r>
-              <a:rPr lang="en-US" dirty="0" err="1" smtClean="0"/>
-              <a:t>Ihaka</a:t>
+              <a:rPr lang="en-US" b="1" dirty="0" smtClean="0"/>
+              <a:t>Network</a:t>
             </a:r>
+          </a:p>
+          <a:p>
             <a:r>
-              <a:rPr lang="en-US" dirty="0" smtClean="0"/>
-              <a:t>, </a:t>
+              <a:rPr lang="en-US" b="1"/>
+              <a:t>https://cran.r-project.org/</a:t>
             </a:r>
-            <a:r>
-              <a:rPr lang="en-US" dirty="0"/>
-              <a:t>R</a:t>
-            </a:r>
-            <a:r>
-              <a:rPr lang="en-US" dirty="0" smtClean="0"/>
-              <a:t>obert Gentleman ( R)</a:t>
-            </a:r>
-          </a:p>
-          <a:p>
-            <a:r>
-              <a:rPr lang="en-US" dirty="0" smtClean="0"/>
-              <a:t>First in 1993. stable version from 2000</a:t>
-            </a:r>
-          </a:p>
-          <a:p>
-            <a:r>
-              <a:rPr lang="en-US" dirty="0" smtClean="0"/>
-              <a:t>General Public License</a:t>
-            </a:r>
-          </a:p>
-          <a:p>
-            <a:r>
-              <a:rPr lang="en-US" dirty="0" smtClean="0"/>
-              <a:t>Free cost</a:t>
-            </a:r>
-          </a:p>
-          <a:p>
-            <a:endParaRPr lang="en-US" dirty="0" smtClean="0"/>
+            <a:endParaRPr lang="en-US" b="1" dirty="0"/>
           </a:p>
           <a:p>
             <a:endParaRPr lang="en-US" dirty="0"/>
@@ -14027,7 +14052,7 @@
     </p:spTree>
     <p:extLst>
       <p:ext uri="{BB962C8B-B14F-4D97-AF65-F5344CB8AC3E}">
-        <p14:creationId xmlns:p14="http://schemas.microsoft.com/office/powerpoint/2010/main" val="2898031879"/>
+        <p14:creationId xmlns:p14="http://schemas.microsoft.com/office/powerpoint/2010/main" val="3570242690"/>
       </p:ext>
     </p:extLst>
   </p:cSld>
@@ -14069,7 +14094,7 @@
           <a:bodyPr/>
           <a:lstStyle/>
           <a:p>
-            <a:endParaRPr lang="en-US"/>
+            <a:endParaRPr lang="en-US" dirty="0"/>
           </a:p>
         </p:txBody>
       </p:sp>
@@ -14090,49 +14115,65 @@
           <a:p>
             <a:r>
               <a:rPr lang="en-US" dirty="0" smtClean="0"/>
-              <a:t>Command Line Interface</a:t>
+              <a:t>R Program Originated from “S” Language</a:t>
             </a:r>
           </a:p>
           <a:p>
             <a:r>
               <a:rPr lang="en-US" dirty="0" smtClean="0"/>
-              <a:t>GUI</a:t>
+              <a:t>S by Rick Becker of Bell Labs</a:t>
             </a:r>
           </a:p>
           <a:p>
             <a:r>
               <a:rPr lang="en-US" dirty="0" smtClean="0"/>
-              <a:t>IDE ( Editors) : Notepad++, Eclipse, </a:t>
+              <a:t>Integrates suite of software</a:t>
+            </a:r>
+          </a:p>
+          <a:p>
+            <a:r>
+              <a:rPr lang="en-US" dirty="0" smtClean="0"/>
+              <a:t>R by Ross </a:t>
             </a:r>
             <a:r>
               <a:rPr lang="en-US" dirty="0" err="1" smtClean="0"/>
-              <a:t>Pycharm</a:t>
+              <a:t>Ihaka</a:t>
             </a:r>
-            <a:endParaRPr lang="en-US" dirty="0" smtClean="0"/>
-          </a:p>
-          <a:p>
             <a:r>
               <a:rPr lang="en-US" dirty="0" smtClean="0"/>
-              <a:t>Includes C,C++.Java, .NET, Python</a:t>
+              <a:t>, </a:t>
             </a:r>
-          </a:p>
-          <a:p>
+            <a:r>
+              <a:rPr lang="en-US" dirty="0"/>
+              <a:t>R</a:t>
+            </a:r>
             <a:r>
               <a:rPr lang="en-US" dirty="0" smtClean="0"/>
-              <a:t>Statistical Computing</a:t>
+              <a:t>obert Gentleman ( R)</a:t>
             </a:r>
           </a:p>
           <a:p>
             <a:r>
               <a:rPr lang="en-US" dirty="0" smtClean="0"/>
-              <a:t>On Various OS . OS independent</a:t>
+              <a:t>First in 1993. stable version from 2000</a:t>
             </a:r>
           </a:p>
           <a:p>
             <a:r>
               <a:rPr lang="en-US" dirty="0" smtClean="0"/>
-              <a:t>Interpret language</a:t>
+              <a:t>General Public License</a:t>
             </a:r>
+          </a:p>
+          <a:p>
+            <a:r>
+              <a:rPr lang="en-US" dirty="0" smtClean="0"/>
+              <a:t>Free cost</a:t>
+            </a:r>
+          </a:p>
+          <a:p>
+            <a:endParaRPr lang="en-US" dirty="0" smtClean="0"/>
+          </a:p>
+          <a:p>
             <a:endParaRPr lang="en-US" dirty="0"/>
           </a:p>
         </p:txBody>
@@ -14140,7 +14181,7 @@
     </p:spTree>
     <p:extLst>
       <p:ext uri="{BB962C8B-B14F-4D97-AF65-F5344CB8AC3E}">
-        <p14:creationId xmlns:p14="http://schemas.microsoft.com/office/powerpoint/2010/main" val="3372020485"/>
+        <p14:creationId xmlns:p14="http://schemas.microsoft.com/office/powerpoint/2010/main" val="2898031879"/>
       </p:ext>
     </p:extLst>
   </p:cSld>
@@ -14182,7 +14223,7 @@
           <a:bodyPr/>
           <a:lstStyle/>
           <a:p>
-            <a:endParaRPr lang="en-US" dirty="0"/>
+            <a:endParaRPr lang="en-US"/>
           </a:p>
         </p:txBody>
       </p:sp>
@@ -14203,83 +14244,48 @@
           <a:p>
             <a:r>
               <a:rPr lang="en-US" dirty="0" smtClean="0"/>
-              <a:t>R version 3+</a:t>
+              <a:t>Command Line Interface</a:t>
             </a:r>
           </a:p>
           <a:p>
             <a:r>
               <a:rPr lang="en-US" dirty="0" smtClean="0"/>
-              <a:t>3, 3,4,3.5 stable versions</a:t>
+              <a:t>GUI</a:t>
             </a:r>
           </a:p>
           <a:p>
-            <a:r>
-              <a:rPr lang="en-US" dirty="0" err="1" smtClean="0"/>
-              <a:t>Hadoop</a:t>
-            </a:r>
             <a:r>
               <a:rPr lang="en-US" dirty="0" smtClean="0"/>
-              <a:t> Extension to R</a:t>
-            </a:r>
-          </a:p>
-          <a:p>
-            <a:r>
-              <a:rPr lang="en-US" dirty="0" smtClean="0"/>
-              <a:t>Oracle Extension to R</a:t>
-            </a:r>
-          </a:p>
-          <a:p>
-            <a:r>
-              <a:rPr lang="en-US" dirty="0" err="1" smtClean="0"/>
-              <a:t>SQl</a:t>
-            </a:r>
-            <a:r>
-              <a:rPr lang="en-US" dirty="0" smtClean="0"/>
-              <a:t> server extension to R</a:t>
-            </a:r>
-          </a:p>
-          <a:p>
-            <a:r>
-              <a:rPr lang="en-US" dirty="0" smtClean="0"/>
-              <a:t>Linux – </a:t>
+              <a:t>IDE ( Editors) : Notepad++, Eclipse, </a:t>
             </a:r>
             <a:r>
               <a:rPr lang="en-US" dirty="0" err="1" smtClean="0"/>
-              <a:t>Debian</a:t>
+              <a:t>Pycharm</a:t>
             </a:r>
+            <a:endParaRPr lang="en-US" dirty="0" smtClean="0"/>
+          </a:p>
+          <a:p>
             <a:r>
               <a:rPr lang="en-US" dirty="0" smtClean="0"/>
-              <a:t>, </a:t>
+              <a:t>Includes C,C++.Java, .NET, Python</a:t>
             </a:r>
-            <a:r>
-              <a:rPr lang="en-US" dirty="0" err="1" smtClean="0"/>
-              <a:t>Redhat</a:t>
-            </a:r>
+          </a:p>
+          <a:p>
             <a:r>
               <a:rPr lang="en-US" dirty="0" smtClean="0"/>
-              <a:t>, </a:t>
+              <a:t>Statistical Computing</a:t>
             </a:r>
-            <a:r>
-              <a:rPr lang="en-US" dirty="0" err="1" smtClean="0"/>
-              <a:t>Suse</a:t>
-            </a:r>
+          </a:p>
+          <a:p>
             <a:r>
               <a:rPr lang="en-US" dirty="0" smtClean="0"/>
-              <a:t>, Ubuntu</a:t>
+              <a:t>On Various OS . OS independent</a:t>
             </a:r>
           </a:p>
           <a:p>
             <a:r>
               <a:rPr lang="en-US" dirty="0" smtClean="0"/>
-              <a:t>Mac </a:t>
-            </a:r>
-            <a:r>
-              <a:rPr lang="en-US" dirty="0" err="1" smtClean="0"/>
-              <a:t>Osx</a:t>
-            </a:r>
-            <a:r>
-              <a:rPr lang="en-US" dirty="0" smtClean="0"/>
-              <a:t> - 10</a:t>
+              <a:t>Interpret language</a:t>
             </a:r>
             <a:endParaRPr lang="en-US" dirty="0"/>
           </a:p>
@@ -14288,7 +14294,7 @@
     </p:spTree>
     <p:extLst>
       <p:ext uri="{BB962C8B-B14F-4D97-AF65-F5344CB8AC3E}">
-        <p14:creationId xmlns:p14="http://schemas.microsoft.com/office/powerpoint/2010/main" val="4064485677"/>
+        <p14:creationId xmlns:p14="http://schemas.microsoft.com/office/powerpoint/2010/main" val="3372020485"/>
       </p:ext>
     </p:extLst>
   </p:cSld>
@@ -14330,7 +14336,7 @@
           <a:bodyPr/>
           <a:lstStyle/>
           <a:p>
-            <a:endParaRPr lang="en-US"/>
+            <a:endParaRPr lang="en-US" dirty="0"/>
           </a:p>
         </p:txBody>
       </p:sp>
@@ -14346,93 +14352,88 @@
         </p:nvSpPr>
         <p:spPr/>
         <p:txBody>
-          <a:bodyPr>
-            <a:normAutofit fontScale="92500" lnSpcReduction="20000"/>
-          </a:bodyPr>
+          <a:bodyPr/>
           <a:lstStyle/>
           <a:p>
             <a:r>
-              <a:rPr lang="en-US" dirty="0"/>
-              <a:t>R</a:t>
+              <a:rPr lang="en-US" dirty="0" smtClean="0"/>
+              <a:t>R version 3+</a:t>
+            </a:r>
+          </a:p>
+          <a:p>
+            <a:r>
+              <a:rPr lang="en-US" dirty="0" smtClean="0"/>
+              <a:t>3, 3,4,3.5 stable versions</a:t>
+            </a:r>
+          </a:p>
+          <a:p>
+            <a:r>
+              <a:rPr lang="en-US" dirty="0" err="1" smtClean="0"/>
+              <a:t>Hadoop</a:t>
             </a:r>
             <a:r>
               <a:rPr lang="en-US" dirty="0" smtClean="0"/>
-              <a:t> studio download</a:t>
+              <a:t> Extension to R</a:t>
             </a:r>
-          </a:p>
-          <a:p>
-            <a:r>
-              <a:rPr lang="en-US" dirty="0" smtClean="0">
-                <a:hlinkClick r:id="rId2"/>
-              </a:rPr>
-              <a:t>https://www.rstudio.com/products/rstudio/download/</a:t>
-            </a:r>
-            <a:endParaRPr lang="en-US" dirty="0" smtClean="0"/>
           </a:p>
           <a:p>
             <a:r>
               <a:rPr lang="en-US" dirty="0" smtClean="0"/>
-              <a:t>R studio Desktop (</a:t>
+              <a:t>Oracle Extension to R</a:t>
             </a:r>
+          </a:p>
+          <a:p>
             <a:r>
-              <a:rPr lang="en-US" dirty="0" err="1">
-                <a:hlinkClick r:id="rId3"/>
-              </a:rPr>
-              <a:t>RStudio</a:t>
-            </a:r>
-            <a:r>
-              <a:rPr lang="en-US" dirty="0">
-                <a:hlinkClick r:id="rId3"/>
-              </a:rPr>
-              <a:t> 1.1.453 - Windows </a:t>
-            </a:r>
-            <a:r>
-              <a:rPr lang="en-US" dirty="0" smtClean="0">
-                <a:hlinkClick r:id="rId3"/>
-              </a:rPr>
-              <a:t>Vista/7/8/10</a:t>
+              <a:rPr lang="en-US" dirty="0" err="1" smtClean="0"/>
+              <a:t>SQl</a:t>
             </a:r>
             <a:r>
               <a:rPr lang="en-US" dirty="0" smtClean="0"/>
-              <a:t>)</a:t>
+              <a:t> server extension to R</a:t>
             </a:r>
           </a:p>
           <a:p>
             <a:r>
               <a:rPr lang="en-US" dirty="0" smtClean="0"/>
-              <a:t>R studio server ( works only in Linux)</a:t>
+              <a:t>Linux – </a:t>
             </a:r>
-          </a:p>
-          <a:p>
             <a:r>
-              <a:rPr lang="en-US" dirty="0" smtClean="0"/>
-              <a:t>R- shiny</a:t>
-            </a:r>
-          </a:p>
-          <a:p>
-            <a:r>
-              <a:rPr lang="en-US" dirty="0" smtClean="0">
-                <a:hlinkClick r:id="rId4"/>
-              </a:rPr>
-              <a:t>https://rstudio.cloud/</a:t>
+              <a:rPr lang="en-US" dirty="0" err="1" smtClean="0"/>
+              <a:t>Debian</a:t>
             </a:r>
             <a:r>
               <a:rPr lang="en-US" dirty="0" smtClean="0"/>
-              <a:t> ( Cloud – Azure, AWS </a:t>
+              <a:t>, </a:t>
             </a:r>
             <a:r>
               <a:rPr lang="en-US" dirty="0" err="1" smtClean="0"/>
-              <a:t>etc</a:t>
+              <a:t>Redhat</a:t>
             </a:r>
             <a:r>
               <a:rPr lang="en-US" dirty="0" smtClean="0"/>
-              <a:t>)</a:t>
+              <a:t>, </a:t>
             </a:r>
-          </a:p>
-          <a:p>
+            <a:r>
+              <a:rPr lang="en-US" dirty="0" err="1" smtClean="0"/>
+              <a:t>Suse</a:t>
+            </a:r>
             <a:r>
               <a:rPr lang="en-US" dirty="0" smtClean="0"/>
-              <a:t>C:\R\R-3.5.0</a:t>
+              <a:t>, Ubuntu</a:t>
+            </a:r>
+          </a:p>
+          <a:p>
+            <a:r>
+              <a:rPr lang="en-US" dirty="0" smtClean="0"/>
+              <a:t>Mac </a:t>
+            </a:r>
+            <a:r>
+              <a:rPr lang="en-US" dirty="0" err="1" smtClean="0"/>
+              <a:t>Osx</a:t>
+            </a:r>
+            <a:r>
+              <a:rPr lang="en-US" dirty="0" smtClean="0"/>
+              <a:t> - 10</a:t>
             </a:r>
             <a:endParaRPr lang="en-US" dirty="0"/>
           </a:p>
@@ -14441,7 +14442,7 @@
     </p:spTree>
     <p:extLst>
       <p:ext uri="{BB962C8B-B14F-4D97-AF65-F5344CB8AC3E}">
-        <p14:creationId xmlns:p14="http://schemas.microsoft.com/office/powerpoint/2010/main" val="3102590734"/>
+        <p14:creationId xmlns:p14="http://schemas.microsoft.com/office/powerpoint/2010/main" val="4064485677"/>
       </p:ext>
     </p:extLst>
   </p:cSld>
@@ -14499,40 +14500,94 @@
         </p:nvSpPr>
         <p:spPr/>
         <p:txBody>
-          <a:bodyPr/>
+          <a:bodyPr>
+            <a:normAutofit fontScale="92500" lnSpcReduction="20000"/>
+          </a:bodyPr>
           <a:lstStyle/>
           <a:p>
+            <a:r>
+              <a:rPr lang="en-US" dirty="0"/>
+              <a:t>R</a:t>
+            </a:r>
             <a:r>
               <a:rPr lang="en-US" dirty="0" smtClean="0"/>
-              <a:t>R in scripts with .R ,.r,.</a:t>
+              <a:t> studio download</a:t>
+            </a:r>
+          </a:p>
+          <a:p>
+            <a:r>
+              <a:rPr lang="en-US" dirty="0" smtClean="0">
+                <a:hlinkClick r:id="rId2"/>
+              </a:rPr>
+              <a:t>https://www.rstudio.com/products/rstudio/download/</a:t>
+            </a:r>
+            <a:endParaRPr lang="en-US" dirty="0" smtClean="0"/>
+          </a:p>
+          <a:p>
+            <a:r>
+              <a:rPr lang="en-US" dirty="0" smtClean="0"/>
+              <a:t>R studio Desktop (</a:t>
+            </a:r>
+            <a:r>
+              <a:rPr lang="en-US" dirty="0" err="1">
+                <a:hlinkClick r:id="rId3"/>
+              </a:rPr>
+              <a:t>RStudio</a:t>
+            </a:r>
+            <a:r>
+              <a:rPr lang="en-US" dirty="0">
+                <a:hlinkClick r:id="rId3"/>
+              </a:rPr>
+              <a:t> 1.1.453 - Windows </a:t>
+            </a:r>
+            <a:r>
+              <a:rPr lang="en-US" dirty="0" smtClean="0">
+                <a:hlinkClick r:id="rId3"/>
+              </a:rPr>
+              <a:t>Vista/7/8/10</a:t>
+            </a:r>
+            <a:r>
+              <a:rPr lang="en-US" dirty="0" smtClean="0"/>
+              <a:t>)</a:t>
+            </a:r>
+          </a:p>
+          <a:p>
+            <a:r>
+              <a:rPr lang="en-US" dirty="0" smtClean="0"/>
+              <a:t>R studio server ( works only in Linux)</a:t>
+            </a:r>
+          </a:p>
+          <a:p>
+            <a:r>
+              <a:rPr lang="en-US" dirty="0" smtClean="0"/>
+              <a:t>R- shiny</a:t>
+            </a:r>
+          </a:p>
+          <a:p>
+            <a:r>
+              <a:rPr lang="en-US" dirty="0" smtClean="0">
+                <a:hlinkClick r:id="rId4"/>
+              </a:rPr>
+              <a:t>https://rstudio.cloud/</a:t>
+            </a:r>
+            <a:r>
+              <a:rPr lang="en-US" dirty="0" smtClean="0"/>
+              <a:t> ( Cloud – Azure, AWS </a:t>
             </a:r>
             <a:r>
               <a:rPr lang="en-US" dirty="0" err="1" smtClean="0"/>
-              <a:t>Rda</a:t>
-            </a:r>
-            <a:endParaRPr lang="en-US" dirty="0" smtClean="0"/>
-          </a:p>
-          <a:p>
-            <a:r>
-              <a:rPr lang="en-US" dirty="0" smtClean="0"/>
-              <a:t>Source(“/path/</a:t>
-            </a:r>
-            <a:r>
-              <a:rPr lang="en-US" dirty="0" err="1" smtClean="0"/>
-              <a:t>file.R</a:t>
+              <a:t>etc</a:t>
             </a:r>
             <a:r>
               <a:rPr lang="en-US" dirty="0" smtClean="0"/>
-              <a:t>”)</a:t>
+              <a:t>)</a:t>
             </a:r>
           </a:p>
           <a:p>
             <a:r>
               <a:rPr lang="en-US" dirty="0" smtClean="0"/>
-              <a:t>Sink for output</a:t>
+              <a:t>C:\R\R-3.5.0</a:t>
             </a:r>
-          </a:p>
-          <a:p>
             <a:endParaRPr lang="en-US" dirty="0"/>
           </a:p>
         </p:txBody>
@@ -14540,7 +14595,7 @@
     </p:spTree>
     <p:extLst>
       <p:ext uri="{BB962C8B-B14F-4D97-AF65-F5344CB8AC3E}">
-        <p14:creationId xmlns:p14="http://schemas.microsoft.com/office/powerpoint/2010/main" val="392281418"/>
+        <p14:creationId xmlns:p14="http://schemas.microsoft.com/office/powerpoint/2010/main" val="3102590734"/>
       </p:ext>
     </p:extLst>
   </p:cSld>
@@ -14582,11 +14637,7 @@
           <a:bodyPr/>
           <a:lstStyle/>
           <a:p>
-            <a:r>
-              <a:rPr lang="en-US" dirty="0" smtClean="0"/>
-              <a:t>Validate</a:t>
-            </a:r>
-            <a:endParaRPr lang="en-US" dirty="0"/>
+            <a:endParaRPr lang="en-US"/>
           </a:p>
         </p:txBody>
       </p:sp>
@@ -14607,99 +14658,33 @@
           <a:p>
             <a:r>
               <a:rPr lang="en-US" dirty="0" smtClean="0"/>
-              <a:t>G to R </a:t>
+              <a:t>R in scripts with .R ,.r,.</a:t>
             </a:r>
             <a:r>
               <a:rPr lang="en-US" dirty="0" err="1" smtClean="0"/>
-              <a:t>Gui</a:t>
+              <a:t>Rda</a:t>
             </a:r>
             <a:endParaRPr lang="en-US" dirty="0" smtClean="0"/>
           </a:p>
           <a:p>
             <a:r>
               <a:rPr lang="en-US" dirty="0" smtClean="0"/>
-              <a:t>&gt; </a:t>
+              <a:t>Source(“/path/</a:t>
             </a:r>
             <a:r>
-              <a:rPr lang="en-US" b="1" dirty="0" err="1" smtClean="0">
-                <a:solidFill>
-                  <a:srgbClr val="FF0000"/>
-                </a:solidFill>
-              </a:rPr>
-              <a:t>R.Version</a:t>
+              <a:rPr lang="en-US" dirty="0" err="1" smtClean="0"/>
+              <a:t>file.R</a:t>
             </a:r>
             <a:r>
-              <a:rPr lang="en-US" b="1" dirty="0" smtClean="0">
-                <a:solidFill>
-                  <a:srgbClr val="FF0000"/>
-                </a:solidFill>
-              </a:rPr>
-              <a:t>()</a:t>
+              <a:rPr lang="en-US" dirty="0" smtClean="0"/>
+              <a:t>”)</a:t>
             </a:r>
           </a:p>
           <a:p>
-            <a:endParaRPr lang="en-US" b="1" dirty="0">
-              <a:solidFill>
-                <a:srgbClr val="FF0000"/>
-              </a:solidFill>
-            </a:endParaRPr>
-          </a:p>
-          <a:p>
             <a:r>
-              <a:rPr lang="en-US" b="1" dirty="0" smtClean="0">
-                <a:solidFill>
-                  <a:srgbClr val="FF0000"/>
-                </a:solidFill>
-              </a:rPr>
-              <a:t>&gt; </a:t>
+              <a:rPr lang="en-US" dirty="0" smtClean="0"/>
+              <a:t>Sink for output</a:t>
             </a:r>
-            <a:r>
-              <a:rPr lang="en-US" b="1" dirty="0" err="1" smtClean="0">
-                <a:solidFill>
-                  <a:srgbClr val="FF0000"/>
-                </a:solidFill>
-              </a:rPr>
-              <a:t>getwd</a:t>
-            </a:r>
-            <a:r>
-              <a:rPr lang="en-US" b="1" dirty="0" smtClean="0">
-                <a:solidFill>
-                  <a:srgbClr val="FF0000"/>
-                </a:solidFill>
-              </a:rPr>
-              <a:t>()</a:t>
-            </a:r>
-          </a:p>
-          <a:p>
-            <a:r>
-              <a:rPr lang="en-US" b="1" dirty="0" smtClean="0">
-                <a:solidFill>
-                  <a:srgbClr val="FF0000"/>
-                </a:solidFill>
-              </a:rPr>
-              <a:t>To Locate current working directory path</a:t>
-            </a:r>
-          </a:p>
-          <a:p>
-            <a:r>
-              <a:rPr lang="en-US" b="1" dirty="0" smtClean="0"/>
-              <a:t>C:/Users/radhapavan/Documents</a:t>
-            </a:r>
-            <a:endParaRPr lang="en-US" b="1" dirty="0" smtClean="0">
-              <a:solidFill>
-                <a:srgbClr val="FF0000"/>
-              </a:solidFill>
-            </a:endParaRPr>
-          </a:p>
-          <a:p>
-            <a:endParaRPr lang="en-US" b="1" dirty="0" smtClean="0">
-              <a:solidFill>
-                <a:srgbClr val="FF0000"/>
-              </a:solidFill>
-            </a:endParaRPr>
-          </a:p>
-          <a:p>
-            <a:endParaRPr lang="en-US" dirty="0" smtClean="0"/>
           </a:p>
           <a:p>
             <a:endParaRPr lang="en-US" dirty="0"/>
@@ -14709,7 +14694,7 @@
     </p:spTree>
     <p:extLst>
       <p:ext uri="{BB962C8B-B14F-4D97-AF65-F5344CB8AC3E}">
-        <p14:creationId xmlns:p14="http://schemas.microsoft.com/office/powerpoint/2010/main" val="2084861810"/>
+        <p14:creationId xmlns:p14="http://schemas.microsoft.com/office/powerpoint/2010/main" val="392281418"/>
       </p:ext>
     </p:extLst>
   </p:cSld>
@@ -14751,7 +14736,11 @@
           <a:bodyPr/>
           <a:lstStyle/>
           <a:p>
-            <a:endParaRPr lang="en-US"/>
+            <a:r>
+              <a:rPr lang="en-US" dirty="0" smtClean="0"/>
+              <a:t>Validate</a:t>
+            </a:r>
+            <a:endParaRPr lang="en-US" dirty="0"/>
           </a:p>
         </p:txBody>
       </p:sp>
@@ -14770,14 +14759,111 @@
           <a:bodyPr/>
           <a:lstStyle/>
           <a:p>
-            <a:endParaRPr lang="en-US"/>
+            <a:r>
+              <a:rPr lang="en-US" dirty="0" smtClean="0"/>
+              <a:t>G to R </a:t>
+            </a:r>
+            <a:r>
+              <a:rPr lang="en-US" dirty="0" err="1" smtClean="0"/>
+              <a:t>Gui</a:t>
+            </a:r>
+            <a:endParaRPr lang="en-US" dirty="0" smtClean="0"/>
+          </a:p>
+          <a:p>
+            <a:r>
+              <a:rPr lang="en-US" dirty="0" smtClean="0"/>
+              <a:t>&gt; </a:t>
+            </a:r>
+            <a:r>
+              <a:rPr lang="en-US" b="1" dirty="0" err="1" smtClean="0">
+                <a:solidFill>
+                  <a:srgbClr val="FF0000"/>
+                </a:solidFill>
+              </a:rPr>
+              <a:t>R.Version</a:t>
+            </a:r>
+            <a:r>
+              <a:rPr lang="en-US" b="1" dirty="0" smtClean="0">
+                <a:solidFill>
+                  <a:srgbClr val="FF0000"/>
+                </a:solidFill>
+              </a:rPr>
+              <a:t>()</a:t>
+            </a:r>
+          </a:p>
+          <a:p>
+            <a:endParaRPr lang="en-US" b="1" dirty="0">
+              <a:solidFill>
+                <a:srgbClr val="FF0000"/>
+              </a:solidFill>
+            </a:endParaRPr>
+          </a:p>
+          <a:p>
+            <a:r>
+              <a:rPr lang="en-US" b="1" dirty="0" smtClean="0">
+                <a:solidFill>
+                  <a:srgbClr val="FF0000"/>
+                </a:solidFill>
+              </a:rPr>
+              <a:t>&gt; </a:t>
+            </a:r>
+            <a:r>
+              <a:rPr lang="en-US" b="1" dirty="0" err="1" smtClean="0">
+                <a:solidFill>
+                  <a:srgbClr val="FF0000"/>
+                </a:solidFill>
+              </a:rPr>
+              <a:t>getwd</a:t>
+            </a:r>
+            <a:r>
+              <a:rPr lang="en-US" b="1" dirty="0" smtClean="0">
+                <a:solidFill>
+                  <a:srgbClr val="FF0000"/>
+                </a:solidFill>
+              </a:rPr>
+              <a:t>()</a:t>
+            </a:r>
+          </a:p>
+          <a:p>
+            <a:r>
+              <a:rPr lang="en-US" b="1" dirty="0" smtClean="0">
+                <a:solidFill>
+                  <a:srgbClr val="FF0000"/>
+                </a:solidFill>
+              </a:rPr>
+              <a:t>To Locate current working directory path</a:t>
+            </a:r>
+          </a:p>
+          <a:p>
+            <a:r>
+              <a:rPr lang="en-US" b="1" dirty="0" smtClean="0"/>
+              <a:t>C:/Users/radhapavan/Documents</a:t>
+            </a:r>
+            <a:endParaRPr lang="en-US" b="1" dirty="0" smtClean="0">
+              <a:solidFill>
+                <a:srgbClr val="FF0000"/>
+              </a:solidFill>
+            </a:endParaRPr>
+          </a:p>
+          <a:p>
+            <a:endParaRPr lang="en-US" b="1" dirty="0" smtClean="0">
+              <a:solidFill>
+                <a:srgbClr val="FF0000"/>
+              </a:solidFill>
+            </a:endParaRPr>
+          </a:p>
+          <a:p>
+            <a:endParaRPr lang="en-US" dirty="0" smtClean="0"/>
+          </a:p>
+          <a:p>
+            <a:endParaRPr lang="en-US" dirty="0"/>
           </a:p>
         </p:txBody>
       </p:sp>
     </p:spTree>
     <p:extLst>
       <p:ext uri="{BB962C8B-B14F-4D97-AF65-F5344CB8AC3E}">
-        <p14:creationId xmlns:p14="http://schemas.microsoft.com/office/powerpoint/2010/main" val="2628014683"/>
+        <p14:creationId xmlns:p14="http://schemas.microsoft.com/office/powerpoint/2010/main" val="2084861810"/>
       </p:ext>
     </p:extLst>
   </p:cSld>

--- a/RBasics/R Intro 2.pptx
+++ b/RBasics/R Intro 2.pptx
@@ -6,9 +6,9 @@
   </p:sldMasterIdLst>
   <p:sldIdLst>
     <p:sldId id="256" r:id="rId2"/>
-    <p:sldId id="257" r:id="rId3"/>
-    <p:sldId id="265" r:id="rId4"/>
-    <p:sldId id="258" r:id="rId5"/>
+    <p:sldId id="258" r:id="rId3"/>
+    <p:sldId id="257" r:id="rId4"/>
+    <p:sldId id="265" r:id="rId5"/>
     <p:sldId id="262" r:id="rId6"/>
     <p:sldId id="263" r:id="rId7"/>
     <p:sldId id="259" r:id="rId8"/>
@@ -13896,10 +13896,6 @@
           <a:bodyPr/>
           <a:lstStyle/>
           <a:p>
-            <a:r>
-              <a:rPr lang="en-US" dirty="0" smtClean="0"/>
-              <a:t>R Installation</a:t>
-            </a:r>
             <a:endParaRPr lang="en-US" dirty="0"/>
           </a:p>
         </p:txBody>
@@ -13921,45 +13917,65 @@
           <a:p>
             <a:r>
               <a:rPr lang="en-US" dirty="0" smtClean="0"/>
-              <a:t>Download from </a:t>
+              <a:t>R Program Originated from “S” Language</a:t>
+            </a:r>
+          </a:p>
+          <a:p>
+            <a:r>
+              <a:rPr lang="en-US" dirty="0" smtClean="0"/>
+              <a:t>S by Rick Becker of Bell Labs</a:t>
+            </a:r>
+          </a:p>
+          <a:p>
+            <a:r>
+              <a:rPr lang="en-US" dirty="0" smtClean="0"/>
+              <a:t>Integrates suite of software</a:t>
+            </a:r>
+          </a:p>
+          <a:p>
+            <a:r>
+              <a:rPr lang="en-US" dirty="0" smtClean="0"/>
+              <a:t>R by Ross </a:t>
             </a:r>
             <a:r>
-              <a:rPr lang="en-US" dirty="0" smtClean="0">
-                <a:hlinkClick r:id="rId2"/>
-              </a:rPr>
-              <a:t>https://cran.r-project.org/bin/windows/base/</a:t>
-            </a:r>
-            <a:endParaRPr lang="en-US" dirty="0" smtClean="0"/>
-          </a:p>
-          <a:p>
-            <a:r>
-              <a:rPr lang="en-US" dirty="0" smtClean="0"/>
-              <a:t>Appropriate OS. ( windows /Linux/ Mac )</a:t>
-            </a:r>
-          </a:p>
-          <a:p>
-            <a:r>
-              <a:rPr lang="en-US" dirty="0" smtClean="0"/>
-              <a:t>Windows 32/64 bit</a:t>
-            </a:r>
-          </a:p>
-          <a:p>
-            <a:r>
-              <a:rPr lang="en-US" dirty="0" smtClean="0"/>
-              <a:t>64bit is high performance, Recommended</a:t>
-            </a:r>
-          </a:p>
-          <a:p>
-            <a:r>
-              <a:rPr lang="en-US" dirty="0" smtClean="0">
-                <a:hlinkClick r:id="rId3"/>
-              </a:rPr>
-              <a:t>https://cran.r-project.org/doc/manuals/r-release/R-intro.pdf</a:t>
+              <a:rPr lang="en-US" dirty="0" err="1" smtClean="0"/>
+              <a:t>Ihaka</a:t>
             </a:r>
             <a:r>
               <a:rPr lang="en-US" dirty="0" smtClean="0"/>
-              <a:t> </a:t>
+              <a:t>, </a:t>
             </a:r>
+            <a:r>
+              <a:rPr lang="en-US" dirty="0"/>
+              <a:t>R</a:t>
+            </a:r>
+            <a:r>
+              <a:rPr lang="en-US" dirty="0" smtClean="0"/>
+              <a:t>obert Gentleman ( R)</a:t>
+            </a:r>
+          </a:p>
+          <a:p>
+            <a:r>
+              <a:rPr lang="en-US" dirty="0" smtClean="0"/>
+              <a:t>First in 1993. stable version from 2000</a:t>
+            </a:r>
+          </a:p>
+          <a:p>
+            <a:r>
+              <a:rPr lang="en-US" dirty="0" smtClean="0"/>
+              <a:t>General Public License</a:t>
+            </a:r>
+          </a:p>
+          <a:p>
+            <a:r>
+              <a:rPr lang="en-US" dirty="0" smtClean="0"/>
+              <a:t>Free cost</a:t>
+            </a:r>
+          </a:p>
+          <a:p>
+            <a:endParaRPr lang="en-US" dirty="0" smtClean="0"/>
+          </a:p>
+          <a:p>
             <a:endParaRPr lang="en-US" dirty="0"/>
           </a:p>
         </p:txBody>
@@ -13967,7 +13983,7 @@
     </p:spTree>
     <p:extLst>
       <p:ext uri="{BB962C8B-B14F-4D97-AF65-F5344CB8AC3E}">
-        <p14:creationId xmlns:p14="http://schemas.microsoft.com/office/powerpoint/2010/main" val="3255854617"/>
+        <p14:creationId xmlns:p14="http://schemas.microsoft.com/office/powerpoint/2010/main" val="2898031879"/>
       </p:ext>
     </p:extLst>
   </p:cSld>
@@ -14009,7 +14025,11 @@
           <a:bodyPr/>
           <a:lstStyle/>
           <a:p>
-            <a:endParaRPr lang="en-US"/>
+            <a:r>
+              <a:rPr lang="en-US" dirty="0" smtClean="0"/>
+              <a:t>R Installation</a:t>
+            </a:r>
+            <a:endParaRPr lang="en-US" dirty="0"/>
           </a:p>
         </p:txBody>
       </p:sp>
@@ -14029,22 +14049,46 @@
           <a:lstStyle/>
           <a:p>
             <a:r>
-              <a:rPr lang="en-US" b="1" dirty="0"/>
-              <a:t>Comprehensive R Archive </a:t>
+              <a:rPr lang="en-US" dirty="0" smtClean="0"/>
+              <a:t>Download from </a:t>
             </a:r>
             <a:r>
-              <a:rPr lang="en-US" b="1" dirty="0" smtClean="0"/>
-              <a:t>Network</a:t>
+              <a:rPr lang="en-US" dirty="0" smtClean="0">
+                <a:hlinkClick r:id="rId2"/>
+              </a:rPr>
+              <a:t>https://cran.r-project.org/bin/windows/base/</a:t>
             </a:r>
+            <a:endParaRPr lang="en-US" dirty="0" smtClean="0"/>
           </a:p>
           <a:p>
             <a:r>
-              <a:rPr lang="en-US" b="1"/>
-              <a:t>https://cran.r-project.org/</a:t>
+              <a:rPr lang="en-US" dirty="0" smtClean="0"/>
+              <a:t>Appropriate OS. ( windows /Linux/ Mac )</a:t>
             </a:r>
-            <a:endParaRPr lang="en-US" b="1" dirty="0"/>
-          </a:p>
-          <a:p>
+          </a:p>
+          <a:p>
+            <a:r>
+              <a:rPr lang="en-US" dirty="0" smtClean="0"/>
+              <a:t>Windows 32/64 bit</a:t>
+            </a:r>
+          </a:p>
+          <a:p>
+            <a:r>
+              <a:rPr lang="en-US" dirty="0" smtClean="0"/>
+              <a:t>64bit is high performance, Recommended</a:t>
+            </a:r>
+          </a:p>
+          <a:p>
+            <a:r>
+              <a:rPr lang="en-US" dirty="0" smtClean="0">
+                <a:hlinkClick r:id="rId3"/>
+              </a:rPr>
+              <a:t>https://cran.r-project.org/doc/manuals/r-release/R-intro.pdf</a:t>
+            </a:r>
+            <a:r>
+              <a:rPr lang="en-US" dirty="0" smtClean="0"/>
+              <a:t> </a:t>
+            </a:r>
             <a:endParaRPr lang="en-US" dirty="0"/>
           </a:p>
         </p:txBody>
@@ -14052,7 +14096,7 @@
     </p:spTree>
     <p:extLst>
       <p:ext uri="{BB962C8B-B14F-4D97-AF65-F5344CB8AC3E}">
-        <p14:creationId xmlns:p14="http://schemas.microsoft.com/office/powerpoint/2010/main" val="3570242690"/>
+        <p14:creationId xmlns:p14="http://schemas.microsoft.com/office/powerpoint/2010/main" val="3255854617"/>
       </p:ext>
     </p:extLst>
   </p:cSld>
@@ -14094,7 +14138,7 @@
           <a:bodyPr/>
           <a:lstStyle/>
           <a:p>
-            <a:endParaRPr lang="en-US" dirty="0"/>
+            <a:endParaRPr lang="en-US"/>
           </a:p>
         </p:txBody>
       </p:sp>
@@ -14114,64 +14158,20 @@
           <a:lstStyle/>
           <a:p>
             <a:r>
-              <a:rPr lang="en-US" dirty="0" smtClean="0"/>
-              <a:t>R Program Originated from “S” Language</a:t>
-            </a:r>
-          </a:p>
-          <a:p>
-            <a:r>
-              <a:rPr lang="en-US" dirty="0" smtClean="0"/>
-              <a:t>S by Rick Becker of Bell Labs</a:t>
-            </a:r>
-          </a:p>
-          <a:p>
-            <a:r>
-              <a:rPr lang="en-US" dirty="0" smtClean="0"/>
-              <a:t>Integrates suite of software</a:t>
-            </a:r>
-          </a:p>
-          <a:p>
-            <a:r>
-              <a:rPr lang="en-US" dirty="0" smtClean="0"/>
-              <a:t>R by Ross </a:t>
+              <a:rPr lang="en-US" b="1" dirty="0"/>
+              <a:t>Comprehensive R Archive </a:t>
             </a:r>
             <a:r>
-              <a:rPr lang="en-US" dirty="0" err="1" smtClean="0"/>
-              <a:t>Ihaka</a:t>
+              <a:rPr lang="en-US" b="1" dirty="0" smtClean="0"/>
+              <a:t>Network</a:t>
             </a:r>
+          </a:p>
+          <a:p>
             <a:r>
-              <a:rPr lang="en-US" dirty="0" smtClean="0"/>
-              <a:t>, </a:t>
+              <a:rPr lang="en-US" b="1" dirty="0"/>
+              <a:t>https://cran.r-project.org/</a:t>
             </a:r>
-            <a:r>
-              <a:rPr lang="en-US" dirty="0"/>
-              <a:t>R</a:t>
-            </a:r>
-            <a:r>
-              <a:rPr lang="en-US" dirty="0" smtClean="0"/>
-              <a:t>obert Gentleman ( R)</a:t>
-            </a:r>
-          </a:p>
-          <a:p>
-            <a:r>
-              <a:rPr lang="en-US" dirty="0" smtClean="0"/>
-              <a:t>First in 1993. stable version from 2000</a:t>
-            </a:r>
-          </a:p>
-          <a:p>
-            <a:r>
-              <a:rPr lang="en-US" dirty="0" smtClean="0"/>
-              <a:t>General Public License</a:t>
-            </a:r>
-          </a:p>
-          <a:p>
-            <a:r>
-              <a:rPr lang="en-US" dirty="0" smtClean="0"/>
-              <a:t>Free cost</a:t>
-            </a:r>
-          </a:p>
-          <a:p>
-            <a:endParaRPr lang="en-US" dirty="0" smtClean="0"/>
+            <a:endParaRPr lang="en-US" b="1" dirty="0"/>
           </a:p>
           <a:p>
             <a:endParaRPr lang="en-US" dirty="0"/>
@@ -14181,7 +14181,7 @@
     </p:spTree>
     <p:extLst>
       <p:ext uri="{BB962C8B-B14F-4D97-AF65-F5344CB8AC3E}">
-        <p14:creationId xmlns:p14="http://schemas.microsoft.com/office/powerpoint/2010/main" val="2898031879"/>
+        <p14:creationId xmlns:p14="http://schemas.microsoft.com/office/powerpoint/2010/main" val="3570242690"/>
       </p:ext>
     </p:extLst>
   </p:cSld>
@@ -14683,8 +14683,22 @@
           <a:p>
             <a:r>
               <a:rPr lang="en-US" dirty="0" smtClean="0"/>
-              <a:t>Sink for output</a:t>
+              <a:t>Sink for </a:t>
             </a:r>
+            <a:r>
+              <a:rPr lang="en-US" dirty="0" smtClean="0"/>
+              <a:t>output</a:t>
+            </a:r>
+          </a:p>
+          <a:p>
+            <a:endParaRPr lang="en-US" dirty="0"/>
+          </a:p>
+          <a:p>
+            <a:r>
+              <a:rPr lang="en-US" dirty="0" smtClean="0"/>
+              <a:t>Interactive in CMD line</a:t>
+            </a:r>
+            <a:endParaRPr lang="en-US" dirty="0" smtClean="0"/>
           </a:p>
           <a:p>
             <a:endParaRPr lang="en-US" dirty="0"/>

--- a/RBasics/R Intro 2.pptx
+++ b/RBasics/R Intro 2.pptx
@@ -6,15 +6,21 @@
   </p:sldMasterIdLst>
   <p:sldIdLst>
     <p:sldId id="256" r:id="rId2"/>
-    <p:sldId id="258" r:id="rId3"/>
-    <p:sldId id="257" r:id="rId4"/>
-    <p:sldId id="265" r:id="rId5"/>
-    <p:sldId id="262" r:id="rId6"/>
-    <p:sldId id="263" r:id="rId7"/>
-    <p:sldId id="259" r:id="rId8"/>
-    <p:sldId id="264" r:id="rId9"/>
-    <p:sldId id="261" r:id="rId10"/>
-    <p:sldId id="260" r:id="rId11"/>
+    <p:sldId id="266" r:id="rId3"/>
+    <p:sldId id="267" r:id="rId4"/>
+    <p:sldId id="268" r:id="rId5"/>
+    <p:sldId id="269" r:id="rId6"/>
+    <p:sldId id="270" r:id="rId7"/>
+    <p:sldId id="271" r:id="rId8"/>
+    <p:sldId id="258" r:id="rId9"/>
+    <p:sldId id="257" r:id="rId10"/>
+    <p:sldId id="265" r:id="rId11"/>
+    <p:sldId id="262" r:id="rId12"/>
+    <p:sldId id="263" r:id="rId13"/>
+    <p:sldId id="259" r:id="rId14"/>
+    <p:sldId id="264" r:id="rId15"/>
+    <p:sldId id="261" r:id="rId16"/>
+    <p:sldId id="260" r:id="rId17"/>
   </p:sldIdLst>
   <p:sldSz cx="9144000" cy="6858000" type="screen4x3"/>
   <p:notesSz cx="6858000" cy="9144000"/>
@@ -13793,6 +13799,13 @@
   <p:clrMapOvr>
     <a:masterClrMapping/>
   </p:clrMapOvr>
+  <p:timing>
+    <p:tnLst>
+      <p:par>
+        <p:cTn id="1" dur="indefinite" restart="never" nodeType="tmRoot"/>
+      </p:par>
+    </p:tnLst>
+  </p:timing>
 </p:sld>
 </file>
 
@@ -13847,6 +13860,823 @@
           <a:bodyPr/>
           <a:lstStyle/>
           <a:p>
+            <a:r>
+              <a:rPr lang="en-US" b="1" dirty="0"/>
+              <a:t>Comprehensive R Archive </a:t>
+            </a:r>
+            <a:r>
+              <a:rPr lang="en-US" b="1" dirty="0" smtClean="0"/>
+              <a:t>Network</a:t>
+            </a:r>
+          </a:p>
+          <a:p>
+            <a:r>
+              <a:rPr lang="en-US" b="1" dirty="0"/>
+              <a:t>https://cran.r-project.org/</a:t>
+            </a:r>
+          </a:p>
+          <a:p>
+            <a:endParaRPr lang="en-US" dirty="0"/>
+          </a:p>
+        </p:txBody>
+      </p:sp>
+    </p:spTree>
+    <p:extLst>
+      <p:ext uri="{BB962C8B-B14F-4D97-AF65-F5344CB8AC3E}">
+        <p14:creationId xmlns:p14="http://schemas.microsoft.com/office/powerpoint/2010/main" val="3570242690"/>
+      </p:ext>
+    </p:extLst>
+  </p:cSld>
+  <p:clrMapOvr>
+    <a:masterClrMapping/>
+  </p:clrMapOvr>
+  <p:timing>
+    <p:tnLst>
+      <p:par>
+        <p:cTn id="1" dur="indefinite" restart="never" nodeType="tmRoot"/>
+      </p:par>
+    </p:tnLst>
+  </p:timing>
+</p:sld>
+</file>
+
+<file path=ppt/slides/slide11.xml><?xml version="1.0" encoding="utf-8"?>
+<p:sld xmlns:a="http://schemas.openxmlformats.org/drawingml/2006/main" xmlns:r="http://schemas.openxmlformats.org/officeDocument/2006/relationships" xmlns:p="http://schemas.openxmlformats.org/presentationml/2006/main">
+  <p:cSld>
+    <p:spTree>
+      <p:nvGrpSpPr>
+        <p:cNvPr id="1" name=""/>
+        <p:cNvGrpSpPr/>
+        <p:nvPr/>
+      </p:nvGrpSpPr>
+      <p:grpSpPr>
+        <a:xfrm>
+          <a:off x="0" y="0"/>
+          <a:ext cx="0" cy="0"/>
+          <a:chOff x="0" y="0"/>
+          <a:chExt cx="0" cy="0"/>
+        </a:xfrm>
+      </p:grpSpPr>
+      <p:sp>
+        <p:nvSpPr>
+          <p:cNvPr id="2" name="Title 1"/>
+          <p:cNvSpPr>
+            <a:spLocks noGrp="1"/>
+          </p:cNvSpPr>
+          <p:nvPr>
+            <p:ph type="title"/>
+          </p:nvPr>
+        </p:nvSpPr>
+        <p:spPr/>
+        <p:txBody>
+          <a:bodyPr/>
+          <a:lstStyle/>
+          <a:p>
+            <a:endParaRPr lang="en-US"/>
+          </a:p>
+        </p:txBody>
+      </p:sp>
+      <p:sp>
+        <p:nvSpPr>
+          <p:cNvPr id="3" name="Content Placeholder 2"/>
+          <p:cNvSpPr>
+            <a:spLocks noGrp="1"/>
+          </p:cNvSpPr>
+          <p:nvPr>
+            <p:ph idx="1"/>
+          </p:nvPr>
+        </p:nvSpPr>
+        <p:spPr/>
+        <p:txBody>
+          <a:bodyPr/>
+          <a:lstStyle/>
+          <a:p>
+            <a:r>
+              <a:rPr lang="en-US" dirty="0" smtClean="0"/>
+              <a:t>Command Line Interface</a:t>
+            </a:r>
+          </a:p>
+          <a:p>
+            <a:r>
+              <a:rPr lang="en-US" dirty="0" smtClean="0"/>
+              <a:t>GUI</a:t>
+            </a:r>
+          </a:p>
+          <a:p>
+            <a:r>
+              <a:rPr lang="en-US" dirty="0" smtClean="0"/>
+              <a:t>IDE ( Editors) : Notepad++, Eclipse, </a:t>
+            </a:r>
+            <a:r>
+              <a:rPr lang="en-US" dirty="0" err="1" smtClean="0"/>
+              <a:t>Pycharm</a:t>
+            </a:r>
+            <a:endParaRPr lang="en-US" dirty="0" smtClean="0"/>
+          </a:p>
+          <a:p>
+            <a:r>
+              <a:rPr lang="en-US" dirty="0" smtClean="0"/>
+              <a:t>Includes C,C++.Java, .NET, Python</a:t>
+            </a:r>
+          </a:p>
+          <a:p>
+            <a:r>
+              <a:rPr lang="en-US" dirty="0" smtClean="0"/>
+              <a:t>Statistical Computing</a:t>
+            </a:r>
+          </a:p>
+          <a:p>
+            <a:r>
+              <a:rPr lang="en-US" dirty="0" smtClean="0"/>
+              <a:t>On Various OS . OS independent</a:t>
+            </a:r>
+          </a:p>
+          <a:p>
+            <a:r>
+              <a:rPr lang="en-US" dirty="0" smtClean="0"/>
+              <a:t>Interpret language</a:t>
+            </a:r>
+            <a:endParaRPr lang="en-US" dirty="0"/>
+          </a:p>
+        </p:txBody>
+      </p:sp>
+    </p:spTree>
+    <p:extLst>
+      <p:ext uri="{BB962C8B-B14F-4D97-AF65-F5344CB8AC3E}">
+        <p14:creationId xmlns:p14="http://schemas.microsoft.com/office/powerpoint/2010/main" val="3372020485"/>
+      </p:ext>
+    </p:extLst>
+  </p:cSld>
+  <p:clrMapOvr>
+    <a:masterClrMapping/>
+  </p:clrMapOvr>
+  <p:timing>
+    <p:tnLst>
+      <p:par>
+        <p:cTn id="1" dur="indefinite" restart="never" nodeType="tmRoot"/>
+      </p:par>
+    </p:tnLst>
+  </p:timing>
+</p:sld>
+</file>
+
+<file path=ppt/slides/slide12.xml><?xml version="1.0" encoding="utf-8"?>
+<p:sld xmlns:a="http://schemas.openxmlformats.org/drawingml/2006/main" xmlns:r="http://schemas.openxmlformats.org/officeDocument/2006/relationships" xmlns:p="http://schemas.openxmlformats.org/presentationml/2006/main">
+  <p:cSld>
+    <p:spTree>
+      <p:nvGrpSpPr>
+        <p:cNvPr id="1" name=""/>
+        <p:cNvGrpSpPr/>
+        <p:nvPr/>
+      </p:nvGrpSpPr>
+      <p:grpSpPr>
+        <a:xfrm>
+          <a:off x="0" y="0"/>
+          <a:ext cx="0" cy="0"/>
+          <a:chOff x="0" y="0"/>
+          <a:chExt cx="0" cy="0"/>
+        </a:xfrm>
+      </p:grpSpPr>
+      <p:sp>
+        <p:nvSpPr>
+          <p:cNvPr id="2" name="Title 1"/>
+          <p:cNvSpPr>
+            <a:spLocks noGrp="1"/>
+          </p:cNvSpPr>
+          <p:nvPr>
+            <p:ph type="title"/>
+          </p:nvPr>
+        </p:nvSpPr>
+        <p:spPr/>
+        <p:txBody>
+          <a:bodyPr/>
+          <a:lstStyle/>
+          <a:p>
+            <a:endParaRPr lang="en-US" dirty="0"/>
+          </a:p>
+        </p:txBody>
+      </p:sp>
+      <p:sp>
+        <p:nvSpPr>
+          <p:cNvPr id="3" name="Content Placeholder 2"/>
+          <p:cNvSpPr>
+            <a:spLocks noGrp="1"/>
+          </p:cNvSpPr>
+          <p:nvPr>
+            <p:ph idx="1"/>
+          </p:nvPr>
+        </p:nvSpPr>
+        <p:spPr/>
+        <p:txBody>
+          <a:bodyPr/>
+          <a:lstStyle/>
+          <a:p>
+            <a:r>
+              <a:rPr lang="en-US" dirty="0" smtClean="0"/>
+              <a:t>R version 3+</a:t>
+            </a:r>
+          </a:p>
+          <a:p>
+            <a:r>
+              <a:rPr lang="en-US" dirty="0" smtClean="0"/>
+              <a:t>3, 3,4,3.5 stable versions</a:t>
+            </a:r>
+          </a:p>
+          <a:p>
+            <a:r>
+              <a:rPr lang="en-US" dirty="0" err="1" smtClean="0"/>
+              <a:t>Hadoop</a:t>
+            </a:r>
+            <a:r>
+              <a:rPr lang="en-US" dirty="0" smtClean="0"/>
+              <a:t> Extension to R</a:t>
+            </a:r>
+          </a:p>
+          <a:p>
+            <a:r>
+              <a:rPr lang="en-US" dirty="0" smtClean="0"/>
+              <a:t>Oracle Extension to R</a:t>
+            </a:r>
+          </a:p>
+          <a:p>
+            <a:r>
+              <a:rPr lang="en-US" dirty="0" err="1" smtClean="0"/>
+              <a:t>SQl</a:t>
+            </a:r>
+            <a:r>
+              <a:rPr lang="en-US" dirty="0" smtClean="0"/>
+              <a:t> server extension to R</a:t>
+            </a:r>
+          </a:p>
+          <a:p>
+            <a:r>
+              <a:rPr lang="en-US" dirty="0" smtClean="0"/>
+              <a:t>Linux – </a:t>
+            </a:r>
+            <a:r>
+              <a:rPr lang="en-US" dirty="0" err="1" smtClean="0"/>
+              <a:t>Debian</a:t>
+            </a:r>
+            <a:r>
+              <a:rPr lang="en-US" dirty="0" smtClean="0"/>
+              <a:t>, </a:t>
+            </a:r>
+            <a:r>
+              <a:rPr lang="en-US" dirty="0" err="1" smtClean="0"/>
+              <a:t>Redhat</a:t>
+            </a:r>
+            <a:r>
+              <a:rPr lang="en-US" dirty="0" smtClean="0"/>
+              <a:t>, </a:t>
+            </a:r>
+            <a:r>
+              <a:rPr lang="en-US" dirty="0" err="1" smtClean="0"/>
+              <a:t>Suse</a:t>
+            </a:r>
+            <a:r>
+              <a:rPr lang="en-US" dirty="0" smtClean="0"/>
+              <a:t>, Ubuntu</a:t>
+            </a:r>
+          </a:p>
+          <a:p>
+            <a:r>
+              <a:rPr lang="en-US" dirty="0" smtClean="0"/>
+              <a:t>Mac </a:t>
+            </a:r>
+            <a:r>
+              <a:rPr lang="en-US" dirty="0" err="1" smtClean="0"/>
+              <a:t>Osx</a:t>
+            </a:r>
+            <a:r>
+              <a:rPr lang="en-US" dirty="0" smtClean="0"/>
+              <a:t> - 10</a:t>
+            </a:r>
+            <a:endParaRPr lang="en-US" dirty="0"/>
+          </a:p>
+        </p:txBody>
+      </p:sp>
+    </p:spTree>
+    <p:extLst>
+      <p:ext uri="{BB962C8B-B14F-4D97-AF65-F5344CB8AC3E}">
+        <p14:creationId xmlns:p14="http://schemas.microsoft.com/office/powerpoint/2010/main" val="4064485677"/>
+      </p:ext>
+    </p:extLst>
+  </p:cSld>
+  <p:clrMapOvr>
+    <a:masterClrMapping/>
+  </p:clrMapOvr>
+  <p:timing>
+    <p:tnLst>
+      <p:par>
+        <p:cTn id="1" dur="indefinite" restart="never" nodeType="tmRoot"/>
+      </p:par>
+    </p:tnLst>
+  </p:timing>
+</p:sld>
+</file>
+
+<file path=ppt/slides/slide13.xml><?xml version="1.0" encoding="utf-8"?>
+<p:sld xmlns:a="http://schemas.openxmlformats.org/drawingml/2006/main" xmlns:r="http://schemas.openxmlformats.org/officeDocument/2006/relationships" xmlns:p="http://schemas.openxmlformats.org/presentationml/2006/main">
+  <p:cSld>
+    <p:spTree>
+      <p:nvGrpSpPr>
+        <p:cNvPr id="1" name=""/>
+        <p:cNvGrpSpPr/>
+        <p:nvPr/>
+      </p:nvGrpSpPr>
+      <p:grpSpPr>
+        <a:xfrm>
+          <a:off x="0" y="0"/>
+          <a:ext cx="0" cy="0"/>
+          <a:chOff x="0" y="0"/>
+          <a:chExt cx="0" cy="0"/>
+        </a:xfrm>
+      </p:grpSpPr>
+      <p:sp>
+        <p:nvSpPr>
+          <p:cNvPr id="2" name="Title 1"/>
+          <p:cNvSpPr>
+            <a:spLocks noGrp="1"/>
+          </p:cNvSpPr>
+          <p:nvPr>
+            <p:ph type="title"/>
+          </p:nvPr>
+        </p:nvSpPr>
+        <p:spPr/>
+        <p:txBody>
+          <a:bodyPr/>
+          <a:lstStyle/>
+          <a:p>
+            <a:endParaRPr lang="en-US"/>
+          </a:p>
+        </p:txBody>
+      </p:sp>
+      <p:sp>
+        <p:nvSpPr>
+          <p:cNvPr id="3" name="Content Placeholder 2"/>
+          <p:cNvSpPr>
+            <a:spLocks noGrp="1"/>
+          </p:cNvSpPr>
+          <p:nvPr>
+            <p:ph idx="1"/>
+          </p:nvPr>
+        </p:nvSpPr>
+        <p:spPr/>
+        <p:txBody>
+          <a:bodyPr>
+            <a:normAutofit fontScale="92500" lnSpcReduction="20000"/>
+          </a:bodyPr>
+          <a:lstStyle/>
+          <a:p>
+            <a:r>
+              <a:rPr lang="en-US" dirty="0"/>
+              <a:t>R</a:t>
+            </a:r>
+            <a:r>
+              <a:rPr lang="en-US" dirty="0" smtClean="0"/>
+              <a:t> studio download</a:t>
+            </a:r>
+          </a:p>
+          <a:p>
+            <a:r>
+              <a:rPr lang="en-US" dirty="0" smtClean="0">
+                <a:hlinkClick r:id="rId2"/>
+              </a:rPr>
+              <a:t>https://www.rstudio.com/products/rstudio/download/</a:t>
+            </a:r>
+            <a:endParaRPr lang="en-US" dirty="0" smtClean="0"/>
+          </a:p>
+          <a:p>
+            <a:r>
+              <a:rPr lang="en-US" dirty="0" smtClean="0"/>
+              <a:t>R studio Desktop (</a:t>
+            </a:r>
+            <a:r>
+              <a:rPr lang="en-US" dirty="0" err="1">
+                <a:hlinkClick r:id="rId3"/>
+              </a:rPr>
+              <a:t>RStudio</a:t>
+            </a:r>
+            <a:r>
+              <a:rPr lang="en-US" dirty="0">
+                <a:hlinkClick r:id="rId3"/>
+              </a:rPr>
+              <a:t> 1.1.453 - Windows </a:t>
+            </a:r>
+            <a:r>
+              <a:rPr lang="en-US" dirty="0" smtClean="0">
+                <a:hlinkClick r:id="rId3"/>
+              </a:rPr>
+              <a:t>Vista/7/8/10</a:t>
+            </a:r>
+            <a:r>
+              <a:rPr lang="en-US" dirty="0" smtClean="0"/>
+              <a:t>)</a:t>
+            </a:r>
+          </a:p>
+          <a:p>
+            <a:r>
+              <a:rPr lang="en-US" dirty="0" smtClean="0"/>
+              <a:t>R studio server ( works only in Linux)</a:t>
+            </a:r>
+          </a:p>
+          <a:p>
+            <a:r>
+              <a:rPr lang="en-US" dirty="0" smtClean="0"/>
+              <a:t>R- shiny</a:t>
+            </a:r>
+          </a:p>
+          <a:p>
+            <a:r>
+              <a:rPr lang="en-US" dirty="0" smtClean="0">
+                <a:hlinkClick r:id="rId4"/>
+              </a:rPr>
+              <a:t>https://rstudio.cloud/</a:t>
+            </a:r>
+            <a:r>
+              <a:rPr lang="en-US" dirty="0" smtClean="0"/>
+              <a:t> ( Cloud – Azure, AWS </a:t>
+            </a:r>
+            <a:r>
+              <a:rPr lang="en-US" dirty="0" err="1" smtClean="0"/>
+              <a:t>etc</a:t>
+            </a:r>
+            <a:r>
+              <a:rPr lang="en-US" dirty="0" smtClean="0"/>
+              <a:t>)</a:t>
+            </a:r>
+          </a:p>
+          <a:p>
+            <a:r>
+              <a:rPr lang="en-US" dirty="0" smtClean="0"/>
+              <a:t>C:\R\R-3.5.0</a:t>
+            </a:r>
+            <a:endParaRPr lang="en-US" dirty="0"/>
+          </a:p>
+        </p:txBody>
+      </p:sp>
+    </p:spTree>
+    <p:extLst>
+      <p:ext uri="{BB962C8B-B14F-4D97-AF65-F5344CB8AC3E}">
+        <p14:creationId xmlns:p14="http://schemas.microsoft.com/office/powerpoint/2010/main" val="3102590734"/>
+      </p:ext>
+    </p:extLst>
+  </p:cSld>
+  <p:clrMapOvr>
+    <a:masterClrMapping/>
+  </p:clrMapOvr>
+  <p:timing>
+    <p:tnLst>
+      <p:par>
+        <p:cTn id="1" dur="indefinite" restart="never" nodeType="tmRoot"/>
+      </p:par>
+    </p:tnLst>
+  </p:timing>
+</p:sld>
+</file>
+
+<file path=ppt/slides/slide14.xml><?xml version="1.0" encoding="utf-8"?>
+<p:sld xmlns:a="http://schemas.openxmlformats.org/drawingml/2006/main" xmlns:r="http://schemas.openxmlformats.org/officeDocument/2006/relationships" xmlns:p="http://schemas.openxmlformats.org/presentationml/2006/main">
+  <p:cSld>
+    <p:spTree>
+      <p:nvGrpSpPr>
+        <p:cNvPr id="1" name=""/>
+        <p:cNvGrpSpPr/>
+        <p:nvPr/>
+      </p:nvGrpSpPr>
+      <p:grpSpPr>
+        <a:xfrm>
+          <a:off x="0" y="0"/>
+          <a:ext cx="0" cy="0"/>
+          <a:chOff x="0" y="0"/>
+          <a:chExt cx="0" cy="0"/>
+        </a:xfrm>
+      </p:grpSpPr>
+      <p:sp>
+        <p:nvSpPr>
+          <p:cNvPr id="2" name="Title 1"/>
+          <p:cNvSpPr>
+            <a:spLocks noGrp="1"/>
+          </p:cNvSpPr>
+          <p:nvPr>
+            <p:ph type="title"/>
+          </p:nvPr>
+        </p:nvSpPr>
+        <p:spPr/>
+        <p:txBody>
+          <a:bodyPr/>
+          <a:lstStyle/>
+          <a:p>
+            <a:endParaRPr lang="en-US"/>
+          </a:p>
+        </p:txBody>
+      </p:sp>
+      <p:sp>
+        <p:nvSpPr>
+          <p:cNvPr id="3" name="Content Placeholder 2"/>
+          <p:cNvSpPr>
+            <a:spLocks noGrp="1"/>
+          </p:cNvSpPr>
+          <p:nvPr>
+            <p:ph idx="1"/>
+          </p:nvPr>
+        </p:nvSpPr>
+        <p:spPr/>
+        <p:txBody>
+          <a:bodyPr/>
+          <a:lstStyle/>
+          <a:p>
+            <a:r>
+              <a:rPr lang="en-US" dirty="0" smtClean="0"/>
+              <a:t>R in scripts with .R ,.r,.</a:t>
+            </a:r>
+            <a:r>
+              <a:rPr lang="en-US" dirty="0" err="1" smtClean="0"/>
+              <a:t>Rda</a:t>
+            </a:r>
+            <a:endParaRPr lang="en-US" dirty="0" smtClean="0"/>
+          </a:p>
+          <a:p>
+            <a:r>
+              <a:rPr lang="en-US" dirty="0" smtClean="0"/>
+              <a:t>Source(“/path/</a:t>
+            </a:r>
+            <a:r>
+              <a:rPr lang="en-US" dirty="0" err="1" smtClean="0"/>
+              <a:t>file.R</a:t>
+            </a:r>
+            <a:r>
+              <a:rPr lang="en-US" dirty="0" smtClean="0"/>
+              <a:t>”)</a:t>
+            </a:r>
+          </a:p>
+          <a:p>
+            <a:r>
+              <a:rPr lang="en-US" dirty="0" smtClean="0"/>
+              <a:t>Sink for output</a:t>
+            </a:r>
+          </a:p>
+          <a:p>
+            <a:endParaRPr lang="en-US" dirty="0"/>
+          </a:p>
+          <a:p>
+            <a:r>
+              <a:rPr lang="en-US" dirty="0" smtClean="0"/>
+              <a:t>Interactive in CMD line</a:t>
+            </a:r>
+          </a:p>
+          <a:p>
+            <a:endParaRPr lang="en-US" dirty="0"/>
+          </a:p>
+        </p:txBody>
+      </p:sp>
+    </p:spTree>
+    <p:extLst>
+      <p:ext uri="{BB962C8B-B14F-4D97-AF65-F5344CB8AC3E}">
+        <p14:creationId xmlns:p14="http://schemas.microsoft.com/office/powerpoint/2010/main" val="392281418"/>
+      </p:ext>
+    </p:extLst>
+  </p:cSld>
+  <p:clrMapOvr>
+    <a:masterClrMapping/>
+  </p:clrMapOvr>
+  <p:timing>
+    <p:tnLst>
+      <p:par>
+        <p:cTn id="1" dur="indefinite" restart="never" nodeType="tmRoot"/>
+      </p:par>
+    </p:tnLst>
+  </p:timing>
+</p:sld>
+</file>
+
+<file path=ppt/slides/slide15.xml><?xml version="1.0" encoding="utf-8"?>
+<p:sld xmlns:a="http://schemas.openxmlformats.org/drawingml/2006/main" xmlns:r="http://schemas.openxmlformats.org/officeDocument/2006/relationships" xmlns:p="http://schemas.openxmlformats.org/presentationml/2006/main">
+  <p:cSld>
+    <p:spTree>
+      <p:nvGrpSpPr>
+        <p:cNvPr id="1" name=""/>
+        <p:cNvGrpSpPr/>
+        <p:nvPr/>
+      </p:nvGrpSpPr>
+      <p:grpSpPr>
+        <a:xfrm>
+          <a:off x="0" y="0"/>
+          <a:ext cx="0" cy="0"/>
+          <a:chOff x="0" y="0"/>
+          <a:chExt cx="0" cy="0"/>
+        </a:xfrm>
+      </p:grpSpPr>
+      <p:sp>
+        <p:nvSpPr>
+          <p:cNvPr id="2" name="Title 1"/>
+          <p:cNvSpPr>
+            <a:spLocks noGrp="1"/>
+          </p:cNvSpPr>
+          <p:nvPr>
+            <p:ph type="title"/>
+          </p:nvPr>
+        </p:nvSpPr>
+        <p:spPr/>
+        <p:txBody>
+          <a:bodyPr/>
+          <a:lstStyle/>
+          <a:p>
+            <a:r>
+              <a:rPr lang="en-US" dirty="0" smtClean="0"/>
+              <a:t>Validate</a:t>
+            </a:r>
+            <a:endParaRPr lang="en-US" dirty="0"/>
+          </a:p>
+        </p:txBody>
+      </p:sp>
+      <p:sp>
+        <p:nvSpPr>
+          <p:cNvPr id="3" name="Content Placeholder 2"/>
+          <p:cNvSpPr>
+            <a:spLocks noGrp="1"/>
+          </p:cNvSpPr>
+          <p:nvPr>
+            <p:ph idx="1"/>
+          </p:nvPr>
+        </p:nvSpPr>
+        <p:spPr/>
+        <p:txBody>
+          <a:bodyPr/>
+          <a:lstStyle/>
+          <a:p>
+            <a:r>
+              <a:rPr lang="en-US" dirty="0" smtClean="0"/>
+              <a:t>G to R </a:t>
+            </a:r>
+            <a:r>
+              <a:rPr lang="en-US" dirty="0" err="1" smtClean="0"/>
+              <a:t>Gui</a:t>
+            </a:r>
+            <a:endParaRPr lang="en-US" dirty="0" smtClean="0"/>
+          </a:p>
+          <a:p>
+            <a:r>
+              <a:rPr lang="en-US" dirty="0" smtClean="0"/>
+              <a:t>&gt; </a:t>
+            </a:r>
+            <a:r>
+              <a:rPr lang="en-US" b="1" dirty="0" err="1" smtClean="0">
+                <a:solidFill>
+                  <a:srgbClr val="FF0000"/>
+                </a:solidFill>
+              </a:rPr>
+              <a:t>R.Version</a:t>
+            </a:r>
+            <a:r>
+              <a:rPr lang="en-US" b="1" dirty="0" smtClean="0">
+                <a:solidFill>
+                  <a:srgbClr val="FF0000"/>
+                </a:solidFill>
+              </a:rPr>
+              <a:t>()</a:t>
+            </a:r>
+          </a:p>
+          <a:p>
+            <a:endParaRPr lang="en-US" b="1" dirty="0">
+              <a:solidFill>
+                <a:srgbClr val="FF0000"/>
+              </a:solidFill>
+            </a:endParaRPr>
+          </a:p>
+          <a:p>
+            <a:r>
+              <a:rPr lang="en-US" b="1" dirty="0" smtClean="0">
+                <a:solidFill>
+                  <a:srgbClr val="FF0000"/>
+                </a:solidFill>
+              </a:rPr>
+              <a:t>&gt; </a:t>
+            </a:r>
+            <a:r>
+              <a:rPr lang="en-US" b="1" dirty="0" err="1" smtClean="0">
+                <a:solidFill>
+                  <a:srgbClr val="FF0000"/>
+                </a:solidFill>
+              </a:rPr>
+              <a:t>getwd</a:t>
+            </a:r>
+            <a:r>
+              <a:rPr lang="en-US" b="1" dirty="0" smtClean="0">
+                <a:solidFill>
+                  <a:srgbClr val="FF0000"/>
+                </a:solidFill>
+              </a:rPr>
+              <a:t>()</a:t>
+            </a:r>
+          </a:p>
+          <a:p>
+            <a:r>
+              <a:rPr lang="en-US" b="1" dirty="0" smtClean="0">
+                <a:solidFill>
+                  <a:srgbClr val="FF0000"/>
+                </a:solidFill>
+              </a:rPr>
+              <a:t>To Locate current working directory path</a:t>
+            </a:r>
+          </a:p>
+          <a:p>
+            <a:r>
+              <a:rPr lang="en-US" b="1" dirty="0" smtClean="0"/>
+              <a:t>C:/Users/radhapavan/Documents</a:t>
+            </a:r>
+            <a:endParaRPr lang="en-US" b="1" dirty="0" smtClean="0">
+              <a:solidFill>
+                <a:srgbClr val="FF0000"/>
+              </a:solidFill>
+            </a:endParaRPr>
+          </a:p>
+          <a:p>
+            <a:endParaRPr lang="en-US" b="1" dirty="0" smtClean="0">
+              <a:solidFill>
+                <a:srgbClr val="FF0000"/>
+              </a:solidFill>
+            </a:endParaRPr>
+          </a:p>
+          <a:p>
+            <a:endParaRPr lang="en-US" dirty="0" smtClean="0"/>
+          </a:p>
+          <a:p>
+            <a:endParaRPr lang="en-US" dirty="0"/>
+          </a:p>
+        </p:txBody>
+      </p:sp>
+    </p:spTree>
+    <p:extLst>
+      <p:ext uri="{BB962C8B-B14F-4D97-AF65-F5344CB8AC3E}">
+        <p14:creationId xmlns:p14="http://schemas.microsoft.com/office/powerpoint/2010/main" val="2084861810"/>
+      </p:ext>
+    </p:extLst>
+  </p:cSld>
+  <p:clrMapOvr>
+    <a:masterClrMapping/>
+  </p:clrMapOvr>
+  <p:timing>
+    <p:tnLst>
+      <p:par>
+        <p:cTn id="1" dur="indefinite" restart="never" nodeType="tmRoot"/>
+      </p:par>
+    </p:tnLst>
+  </p:timing>
+</p:sld>
+</file>
+
+<file path=ppt/slides/slide16.xml><?xml version="1.0" encoding="utf-8"?>
+<p:sld xmlns:a="http://schemas.openxmlformats.org/drawingml/2006/main" xmlns:r="http://schemas.openxmlformats.org/officeDocument/2006/relationships" xmlns:p="http://schemas.openxmlformats.org/presentationml/2006/main">
+  <p:cSld>
+    <p:spTree>
+      <p:nvGrpSpPr>
+        <p:cNvPr id="1" name=""/>
+        <p:cNvGrpSpPr/>
+        <p:nvPr/>
+      </p:nvGrpSpPr>
+      <p:grpSpPr>
+        <a:xfrm>
+          <a:off x="0" y="0"/>
+          <a:ext cx="0" cy="0"/>
+          <a:chOff x="0" y="0"/>
+          <a:chExt cx="0" cy="0"/>
+        </a:xfrm>
+      </p:grpSpPr>
+      <p:sp>
+        <p:nvSpPr>
+          <p:cNvPr id="2" name="Title 1"/>
+          <p:cNvSpPr>
+            <a:spLocks noGrp="1"/>
+          </p:cNvSpPr>
+          <p:nvPr>
+            <p:ph type="title"/>
+          </p:nvPr>
+        </p:nvSpPr>
+        <p:spPr/>
+        <p:txBody>
+          <a:bodyPr/>
+          <a:lstStyle/>
+          <a:p>
+            <a:endParaRPr lang="en-US"/>
+          </a:p>
+        </p:txBody>
+      </p:sp>
+      <p:sp>
+        <p:nvSpPr>
+          <p:cNvPr id="3" name="Content Placeholder 2"/>
+          <p:cNvSpPr>
+            <a:spLocks noGrp="1"/>
+          </p:cNvSpPr>
+          <p:nvPr>
+            <p:ph idx="1"/>
+          </p:nvPr>
+        </p:nvSpPr>
+        <p:spPr/>
+        <p:txBody>
+          <a:bodyPr/>
+          <a:lstStyle/>
+          <a:p>
             <a:endParaRPr lang="en-US"/>
           </a:p>
         </p:txBody>
@@ -13861,6 +14691,13 @@
   <p:clrMapOvr>
     <a:masterClrMapping/>
   </p:clrMapOvr>
+  <p:timing>
+    <p:tnLst>
+      <p:par>
+        <p:cTn id="1" dur="indefinite" restart="never" nodeType="tmRoot"/>
+      </p:par>
+    </p:tnLst>
+  </p:timing>
 </p:sld>
 </file>
 
@@ -13896,7 +14733,7 @@
           <a:bodyPr/>
           <a:lstStyle/>
           <a:p>
-            <a:endParaRPr lang="en-US" dirty="0"/>
+            <a:endParaRPr lang="en-US"/>
           </a:p>
         </p:txBody>
       </p:sp>
@@ -13912,68 +14749,57 @@
         </p:nvSpPr>
         <p:spPr/>
         <p:txBody>
-          <a:bodyPr/>
+          <a:bodyPr>
+            <a:normAutofit lnSpcReduction="10000"/>
+          </a:bodyPr>
           <a:lstStyle/>
           <a:p>
             <a:r>
               <a:rPr lang="en-US" dirty="0" smtClean="0"/>
-              <a:t>R Program Originated from “S” Language</a:t>
+              <a:t>Data, size, Population, Sample</a:t>
             </a:r>
           </a:p>
           <a:p>
             <a:r>
               <a:rPr lang="en-US" dirty="0" smtClean="0"/>
-              <a:t>S by Rick Becker of Bell Labs</a:t>
+              <a:t>About R Language</a:t>
             </a:r>
           </a:p>
           <a:p>
             <a:r>
               <a:rPr lang="en-US" dirty="0" smtClean="0"/>
-              <a:t>Integrates suite of software</a:t>
+              <a:t>R download, installation – CRAN</a:t>
             </a:r>
           </a:p>
           <a:p>
             <a:r>
               <a:rPr lang="en-US" dirty="0" smtClean="0"/>
-              <a:t>R by Ross </a:t>
-            </a:r>
-            <a:r>
-              <a:rPr lang="en-US" dirty="0" err="1" smtClean="0"/>
-              <a:t>Ihaka</a:t>
-            </a:r>
+              <a:t>R GUI</a:t>
+            </a:r>
+          </a:p>
+          <a:p>
             <a:r>
               <a:rPr lang="en-US" dirty="0" smtClean="0"/>
-              <a:t>, </a:t>
-            </a:r>
-            <a:r>
-              <a:rPr lang="en-US" dirty="0"/>
-              <a:t>R</a:t>
-            </a:r>
+              <a:t>R editors</a:t>
+            </a:r>
+          </a:p>
+          <a:p>
             <a:r>
               <a:rPr lang="en-US" dirty="0" smtClean="0"/>
-              <a:t>obert Gentleman ( R)</a:t>
+              <a:t>R Versions</a:t>
             </a:r>
           </a:p>
           <a:p>
             <a:r>
               <a:rPr lang="en-US" dirty="0" smtClean="0"/>
-              <a:t>First in 1993. stable version from 2000</a:t>
+              <a:t>R studio</a:t>
             </a:r>
           </a:p>
           <a:p>
             <a:r>
               <a:rPr lang="en-US" dirty="0" smtClean="0"/>
-              <a:t>General Public License</a:t>
-            </a:r>
-          </a:p>
-          <a:p>
-            <a:r>
-              <a:rPr lang="en-US" dirty="0" smtClean="0"/>
-              <a:t>Free cost</a:t>
-            </a:r>
-          </a:p>
-          <a:p>
-            <a:endParaRPr lang="en-US" dirty="0" smtClean="0"/>
+              <a:t>R Files</a:t>
+            </a:r>
           </a:p>
           <a:p>
             <a:endParaRPr lang="en-US" dirty="0"/>
@@ -13983,7 +14809,7 @@
     </p:spTree>
     <p:extLst>
       <p:ext uri="{BB962C8B-B14F-4D97-AF65-F5344CB8AC3E}">
-        <p14:creationId xmlns:p14="http://schemas.microsoft.com/office/powerpoint/2010/main" val="2898031879"/>
+        <p14:creationId xmlns:p14="http://schemas.microsoft.com/office/powerpoint/2010/main" val="918409988"/>
       </p:ext>
     </p:extLst>
   </p:cSld>
@@ -14025,11 +14851,7 @@
           <a:bodyPr/>
           <a:lstStyle/>
           <a:p>
-            <a:r>
-              <a:rPr lang="en-US" dirty="0" smtClean="0"/>
-              <a:t>R Installation</a:t>
-            </a:r>
-            <a:endParaRPr lang="en-US" dirty="0"/>
+            <a:endParaRPr lang="en-US"/>
           </a:p>
         </p:txBody>
       </p:sp>
@@ -14050,45 +14872,80 @@
           <a:p>
             <a:r>
               <a:rPr lang="en-US" dirty="0" smtClean="0"/>
-              <a:t>Download from </a:t>
-            </a:r>
-            <a:r>
-              <a:rPr lang="en-US" dirty="0" smtClean="0">
+              <a:t>DATA : </a:t>
+            </a:r>
+            <a:r>
+              <a:rPr lang="en-US" b="1" dirty="0" smtClean="0">
+                <a:solidFill>
+                  <a:srgbClr val="FF0000"/>
+                </a:solidFill>
+              </a:rPr>
+              <a:t>facts </a:t>
+            </a:r>
+            <a:r>
+              <a:rPr lang="en-US" dirty="0"/>
+              <a:t>and statistics collected together for reference or analysis</a:t>
+            </a:r>
+            <a:r>
+              <a:rPr lang="en-US" dirty="0" smtClean="0"/>
+              <a:t>.</a:t>
+            </a:r>
+          </a:p>
+          <a:p>
+            <a:r>
+              <a:rPr lang="en-US" b="1" dirty="0"/>
+              <a:t>Data analytics </a:t>
+            </a:r>
+            <a:r>
+              <a:rPr lang="en-US" dirty="0"/>
+              <a:t>(DA) is the process of </a:t>
+            </a:r>
+            <a:r>
+              <a:rPr lang="en-US" b="1" dirty="0"/>
+              <a:t>examining </a:t>
+            </a:r>
+            <a:r>
+              <a:rPr lang="en-US" b="1" u="sng" dirty="0">
                 <a:hlinkClick r:id="rId2"/>
               </a:rPr>
-              <a:t>https://cran.r-project.org/bin/windows/base/</a:t>
+              <a:t>data</a:t>
+            </a:r>
+            <a:r>
+              <a:rPr lang="en-US" b="1" dirty="0"/>
+              <a:t> sets </a:t>
+            </a:r>
+            <a:r>
+              <a:rPr lang="en-US" dirty="0"/>
+              <a:t>in order to draw conclusions about the information they contain, </a:t>
             </a:r>
             <a:endParaRPr lang="en-US" dirty="0" smtClean="0"/>
           </a:p>
           <a:p>
             <a:r>
               <a:rPr lang="en-US" dirty="0" smtClean="0"/>
-              <a:t>Appropriate OS. ( windows /Linux/ Mac )</a:t>
-            </a:r>
-          </a:p>
-          <a:p>
-            <a:r>
-              <a:rPr lang="en-US" dirty="0" smtClean="0"/>
-              <a:t>Windows 32/64 bit</a:t>
-            </a:r>
-          </a:p>
-          <a:p>
-            <a:r>
-              <a:rPr lang="en-US" dirty="0" smtClean="0"/>
-              <a:t>64bit is high performance, Recommended</a:t>
-            </a:r>
-          </a:p>
-          <a:p>
-            <a:r>
-              <a:rPr lang="en-US" dirty="0" smtClean="0">
+              <a:t>DA = </a:t>
+            </a:r>
+            <a:r>
+              <a:rPr lang="en-US" u="sng" dirty="0">
                 <a:hlinkClick r:id="rId3"/>
               </a:rPr>
-              <a:t>https://cran.r-project.org/doc/manuals/r-release/R-intro.pdf</a:t>
-            </a:r>
+              <a:t>business </a:t>
+            </a:r>
+            <a:r>
+              <a:rPr lang="en-US" u="sng" dirty="0" smtClean="0">
+                <a:hlinkClick r:id="rId3"/>
+              </a:rPr>
+              <a:t>analytics</a:t>
+            </a:r>
+            <a:endParaRPr lang="en-US" dirty="0"/>
+          </a:p>
+          <a:p>
             <a:r>
               <a:rPr lang="en-US" dirty="0" smtClean="0"/>
-              <a:t> </a:t>
-            </a:r>
+              <a:t>DA= Data Mining</a:t>
+            </a:r>
+          </a:p>
+          <a:p>
             <a:endParaRPr lang="en-US" dirty="0"/>
           </a:p>
         </p:txBody>
@@ -14096,7 +14953,7 @@
     </p:spTree>
     <p:extLst>
       <p:ext uri="{BB962C8B-B14F-4D97-AF65-F5344CB8AC3E}">
-        <p14:creationId xmlns:p14="http://schemas.microsoft.com/office/powerpoint/2010/main" val="3255854617"/>
+        <p14:creationId xmlns:p14="http://schemas.microsoft.com/office/powerpoint/2010/main" val="2243355530"/>
       </p:ext>
     </p:extLst>
   </p:cSld>
@@ -14159,21 +15016,52 @@
           <a:p>
             <a:r>
               <a:rPr lang="en-US" b="1" dirty="0"/>
-              <a:t>Comprehensive R Archive </a:t>
-            </a:r>
-            <a:r>
-              <a:rPr lang="en-US" b="1" dirty="0" smtClean="0"/>
-              <a:t>Network</a:t>
-            </a:r>
-          </a:p>
-          <a:p>
-            <a:r>
-              <a:rPr lang="en-US" b="1" dirty="0"/>
-              <a:t>https://cran.r-project.org/</a:t>
-            </a:r>
-            <a:endParaRPr lang="en-US" b="1" dirty="0"/>
-          </a:p>
-          <a:p>
+              <a:t>Data analysis</a:t>
+            </a:r>
+            <a:r>
+              <a:rPr lang="en-US" dirty="0"/>
+              <a:t> is a process of inspecting, </a:t>
+            </a:r>
+            <a:r>
+              <a:rPr lang="en-US" dirty="0">
+                <a:hlinkClick r:id="rId2" tooltip="Data cleansing"/>
+              </a:rPr>
+              <a:t>cleansing</a:t>
+            </a:r>
+            <a:r>
+              <a:rPr lang="en-US" dirty="0"/>
+              <a:t>, </a:t>
+            </a:r>
+            <a:r>
+              <a:rPr lang="en-US" dirty="0">
+                <a:hlinkClick r:id="rId3" tooltip="Data transformation"/>
+              </a:rPr>
+              <a:t>transforming</a:t>
+            </a:r>
+            <a:r>
+              <a:rPr lang="en-US" dirty="0"/>
+              <a:t>, and </a:t>
+            </a:r>
+            <a:r>
+              <a:rPr lang="en-US" dirty="0">
+                <a:hlinkClick r:id="rId4" tooltip="Data modeling"/>
+              </a:rPr>
+              <a:t>modeling</a:t>
+            </a:r>
+            <a:r>
+              <a:rPr lang="en-US" dirty="0"/>
+              <a:t> </a:t>
+            </a:r>
+            <a:r>
+              <a:rPr lang="en-US" dirty="0">
+                <a:hlinkClick r:id="rId5" tooltip="Data"/>
+              </a:rPr>
+              <a:t>data</a:t>
+            </a:r>
+            <a:r>
+              <a:rPr lang="en-US" dirty="0"/>
+              <a:t> with the goal of discovering useful information, informing conclusions, and supporting decision-making.</a:t>
+            </a:r>
             <a:endParaRPr lang="en-US" dirty="0"/>
           </a:p>
         </p:txBody>
@@ -14181,13 +15069,20 @@
     </p:spTree>
     <p:extLst>
       <p:ext uri="{BB962C8B-B14F-4D97-AF65-F5344CB8AC3E}">
-        <p14:creationId xmlns:p14="http://schemas.microsoft.com/office/powerpoint/2010/main" val="3570242690"/>
+        <p14:creationId xmlns:p14="http://schemas.microsoft.com/office/powerpoint/2010/main" val="4250628999"/>
       </p:ext>
     </p:extLst>
   </p:cSld>
   <p:clrMapOvr>
     <a:masterClrMapping/>
   </p:clrMapOvr>
+  <p:timing>
+    <p:tnLst>
+      <p:par>
+        <p:cTn id="1" dur="indefinite" restart="never" nodeType="tmRoot"/>
+      </p:par>
+    </p:tnLst>
+  </p:timing>
 </p:sld>
 </file>
 
@@ -14227,80 +15122,79 @@
           </a:p>
         </p:txBody>
       </p:sp>
-      <p:sp>
-        <p:nvSpPr>
-          <p:cNvPr id="3" name="Content Placeholder 2"/>
-          <p:cNvSpPr>
-            <a:spLocks noGrp="1"/>
-          </p:cNvSpPr>
+      <p:pic>
+        <p:nvPicPr>
+          <p:cNvPr id="1026" name="Picture 2"/>
+          <p:cNvPicPr>
+            <a:picLocks noGrp="1" noChangeAspect="1" noChangeArrowheads="1"/>
+          </p:cNvPicPr>
           <p:nvPr>
             <p:ph idx="1"/>
           </p:nvPr>
-        </p:nvSpPr>
-        <p:spPr/>
-        <p:txBody>
-          <a:bodyPr/>
-          <a:lstStyle/>
-          <a:p>
-            <a:r>
-              <a:rPr lang="en-US" dirty="0" smtClean="0"/>
-              <a:t>Command Line Interface</a:t>
-            </a:r>
-          </a:p>
-          <a:p>
-            <a:r>
-              <a:rPr lang="en-US" dirty="0" smtClean="0"/>
-              <a:t>GUI</a:t>
-            </a:r>
-          </a:p>
-          <a:p>
-            <a:r>
-              <a:rPr lang="en-US" dirty="0" smtClean="0"/>
-              <a:t>IDE ( Editors) : Notepad++, Eclipse, </a:t>
-            </a:r>
-            <a:r>
-              <a:rPr lang="en-US" dirty="0" err="1" smtClean="0"/>
-              <a:t>Pycharm</a:t>
-            </a:r>
-            <a:endParaRPr lang="en-US" dirty="0" smtClean="0"/>
-          </a:p>
-          <a:p>
-            <a:r>
-              <a:rPr lang="en-US" dirty="0" smtClean="0"/>
-              <a:t>Includes C,C++.Java, .NET, Python</a:t>
-            </a:r>
-          </a:p>
-          <a:p>
-            <a:r>
-              <a:rPr lang="en-US" dirty="0" smtClean="0"/>
-              <a:t>Statistical Computing</a:t>
-            </a:r>
-          </a:p>
-          <a:p>
-            <a:r>
-              <a:rPr lang="en-US" dirty="0" smtClean="0"/>
-              <a:t>On Various OS . OS independent</a:t>
-            </a:r>
-          </a:p>
-          <a:p>
-            <a:r>
-              <a:rPr lang="en-US" dirty="0" smtClean="0"/>
-              <a:t>Interpret language</a:t>
-            </a:r>
-            <a:endParaRPr lang="en-US" dirty="0"/>
-          </a:p>
-        </p:txBody>
-      </p:sp>
+        </p:nvPicPr>
+        <p:blipFill>
+          <a:blip r:embed="rId2">
+            <a:extLst>
+              <a:ext uri="{28A0092B-C50C-407E-A947-70E740481C1C}">
+                <a14:useLocalDpi xmlns:a14="http://schemas.microsoft.com/office/drawing/2010/main" val="0"/>
+              </a:ext>
+            </a:extLst>
+          </a:blip>
+          <a:srcRect/>
+          <a:stretch>
+            <a:fillRect/>
+          </a:stretch>
+        </p:blipFill>
+        <p:spPr bwMode="auto">
+          <a:xfrm>
+            <a:off x="2092590" y="2324100"/>
+            <a:ext cx="4677833" cy="3508375"/>
+          </a:xfrm>
+          <a:prstGeom prst="rect">
+            <a:avLst/>
+          </a:prstGeom>
+          <a:noFill/>
+          <a:ln>
+            <a:noFill/>
+          </a:ln>
+          <a:extLst>
+            <a:ext uri="{909E8E84-426E-40DD-AFC4-6F175D3DCCD1}">
+              <a14:hiddenFill xmlns:a14="http://schemas.microsoft.com/office/drawing/2010/main">
+                <a:solidFill>
+                  <a:schemeClr val="accent1"/>
+                </a:solidFill>
+              </a14:hiddenFill>
+            </a:ext>
+            <a:ext uri="{91240B29-F687-4F45-9708-019B960494DF}">
+              <a14:hiddenLine xmlns:a14="http://schemas.microsoft.com/office/drawing/2010/main" w="9525">
+                <a:solidFill>
+                  <a:schemeClr val="tx1"/>
+                </a:solidFill>
+                <a:miter lim="800000"/>
+                <a:headEnd/>
+                <a:tailEnd/>
+              </a14:hiddenLine>
+            </a:ext>
+          </a:extLst>
+        </p:spPr>
+      </p:pic>
     </p:spTree>
     <p:extLst>
       <p:ext uri="{BB962C8B-B14F-4D97-AF65-F5344CB8AC3E}">
-        <p14:creationId xmlns:p14="http://schemas.microsoft.com/office/powerpoint/2010/main" val="3372020485"/>
+        <p14:creationId xmlns:p14="http://schemas.microsoft.com/office/powerpoint/2010/main" val="2132511800"/>
       </p:ext>
     </p:extLst>
   </p:cSld>
   <p:clrMapOvr>
     <a:masterClrMapping/>
   </p:clrMapOvr>
+  <p:timing>
+    <p:tnLst>
+      <p:par>
+        <p:cTn id="1" dur="indefinite" restart="never" nodeType="tmRoot"/>
+      </p:par>
+    </p:tnLst>
+  </p:timing>
 </p:sld>
 </file>
 
@@ -14336,6 +15230,10 @@
           <a:bodyPr/>
           <a:lstStyle/>
           <a:p>
+            <a:r>
+              <a:rPr lang="en-US" dirty="0" smtClean="0"/>
+              <a:t>Population, Sample, size</a:t>
+            </a:r>
             <a:endParaRPr lang="en-US" dirty="0"/>
           </a:p>
         </p:txBody>
@@ -14352,89 +15250,113 @@
         </p:nvSpPr>
         <p:spPr/>
         <p:txBody>
-          <a:bodyPr/>
+          <a:bodyPr>
+            <a:normAutofit fontScale="92500" lnSpcReduction="10000"/>
+          </a:bodyPr>
           <a:lstStyle/>
           <a:p>
             <a:r>
+              <a:rPr lang="en-US" dirty="0"/>
+              <a:t> a </a:t>
+            </a:r>
+            <a:r>
+              <a:rPr lang="en-US" b="1" dirty="0"/>
+              <a:t>data sample</a:t>
+            </a:r>
+            <a:r>
+              <a:rPr lang="en-US" dirty="0"/>
+              <a:t> is a set of </a:t>
+            </a:r>
+            <a:r>
+              <a:rPr lang="en-US" dirty="0">
+                <a:hlinkClick r:id="rId2" tooltip="Data"/>
+              </a:rPr>
+              <a:t>data</a:t>
+            </a:r>
+            <a:r>
+              <a:rPr lang="en-US" dirty="0"/>
+              <a:t> collected and/or selected from a </a:t>
+            </a:r>
+            <a:r>
+              <a:rPr lang="en-US" dirty="0">
+                <a:hlinkClick r:id="rId3" tooltip="Statistical population"/>
+              </a:rPr>
+              <a:t>statistical population</a:t>
+            </a:r>
+            <a:r>
+              <a:rPr lang="en-US" dirty="0"/>
+              <a:t> by a defined </a:t>
+            </a:r>
+            <a:r>
               <a:rPr lang="en-US" dirty="0" smtClean="0"/>
-              <a:t>R version 3+</a:t>
-            </a:r>
-          </a:p>
-          <a:p>
+              <a:t>procedure.</a:t>
+            </a:r>
+          </a:p>
+          <a:p>
+            <a:endParaRPr lang="en-US" dirty="0"/>
+          </a:p>
+          <a:p>
+            <a:r>
+              <a:rPr lang="en-US" b="1" dirty="0" smtClean="0"/>
+              <a:t>Observe: </a:t>
+            </a:r>
             <a:r>
               <a:rPr lang="en-US" dirty="0" smtClean="0"/>
-              <a:t>3, 3,4,3.5 stable versions</a:t>
-            </a:r>
-          </a:p>
-          <a:p>
-            <a:r>
-              <a:rPr lang="en-US" dirty="0" err="1" smtClean="0"/>
-              <a:t>Hadoop</a:t>
-            </a:r>
-            <a:r>
-              <a:rPr lang="en-US" dirty="0" smtClean="0"/>
-              <a:t> Extension to R</a:t>
-            </a:r>
-          </a:p>
-          <a:p>
-            <a:r>
-              <a:rPr lang="en-US" dirty="0" smtClean="0"/>
-              <a:t>Oracle Extension to R</a:t>
-            </a:r>
-          </a:p>
-          <a:p>
-            <a:r>
-              <a:rPr lang="en-US" dirty="0" err="1" smtClean="0"/>
-              <a:t>SQl</a:t>
-            </a:r>
-            <a:r>
-              <a:rPr lang="en-US" dirty="0" smtClean="0"/>
-              <a:t> server extension to R</a:t>
-            </a:r>
-          </a:p>
-          <a:p>
-            <a:r>
-              <a:rPr lang="en-US" dirty="0" smtClean="0"/>
-              <a:t>Linux – </a:t>
-            </a:r>
-            <a:r>
-              <a:rPr lang="en-US" dirty="0" err="1" smtClean="0"/>
-              <a:t>Debian</a:t>
-            </a:r>
-            <a:r>
-              <a:rPr lang="en-US" dirty="0" smtClean="0"/>
-              <a:t>, </a:t>
-            </a:r>
-            <a:r>
-              <a:rPr lang="en-US" dirty="0" err="1" smtClean="0"/>
-              <a:t>Redhat</a:t>
-            </a:r>
-            <a:r>
-              <a:rPr lang="en-US" dirty="0" smtClean="0"/>
-              <a:t>, </a:t>
-            </a:r>
-            <a:r>
-              <a:rPr lang="en-US" dirty="0" err="1" smtClean="0"/>
-              <a:t>Suse</a:t>
-            </a:r>
-            <a:r>
-              <a:rPr lang="en-US" dirty="0" smtClean="0"/>
-              <a:t>, Ubuntu</a:t>
-            </a:r>
-          </a:p>
-          <a:p>
-            <a:r>
-              <a:rPr lang="en-US" dirty="0" smtClean="0"/>
-              <a:t>Mac </a:t>
-            </a:r>
-            <a:r>
-              <a:rPr lang="en-US" dirty="0" err="1" smtClean="0"/>
-              <a:t>Osx</a:t>
-            </a:r>
-            <a:r>
-              <a:rPr lang="en-US" dirty="0" smtClean="0"/>
-              <a:t> - 10</a:t>
-            </a:r>
+              <a:t>Sample need procedure. Not just like that, u can choose sample.</a:t>
+            </a:r>
+          </a:p>
+          <a:p>
+            <a:r>
+              <a:rPr lang="en-US" dirty="0"/>
+              <a:t>Typically, the </a:t>
+            </a:r>
+            <a:r>
+              <a:rPr lang="en-US" b="1" dirty="0">
+                <a:solidFill>
+                  <a:srgbClr val="FF0000"/>
+                </a:solidFill>
+              </a:rPr>
+              <a:t>population</a:t>
+            </a:r>
+            <a:r>
+              <a:rPr lang="en-US" dirty="0"/>
+              <a:t> is very large, making a </a:t>
+            </a:r>
+            <a:r>
+              <a:rPr lang="en-US" dirty="0">
+                <a:hlinkClick r:id="rId4" tooltip="Census"/>
+              </a:rPr>
+              <a:t>census</a:t>
+            </a:r>
+            <a:r>
+              <a:rPr lang="en-US" dirty="0"/>
+              <a:t> or a complete </a:t>
+            </a:r>
+            <a:r>
+              <a:rPr lang="en-US" dirty="0">
+                <a:hlinkClick r:id="rId5" tooltip="Enumeration"/>
+              </a:rPr>
+              <a:t>enumeration</a:t>
+            </a:r>
+            <a:r>
+              <a:rPr lang="en-US" dirty="0"/>
+              <a:t> of all the values in the population </a:t>
+            </a:r>
+            <a:r>
+              <a:rPr lang="en-US" b="1" dirty="0">
+                <a:solidFill>
+                  <a:srgbClr val="FF0000"/>
+                </a:solidFill>
+              </a:rPr>
+              <a:t>either impractical or impossible.</a:t>
+            </a:r>
+            <a:endParaRPr lang="en-US" b="1" dirty="0" smtClean="0">
+              <a:solidFill>
+                <a:srgbClr val="FF0000"/>
+              </a:solidFill>
+            </a:endParaRPr>
+          </a:p>
+          <a:p>
             <a:endParaRPr lang="en-US" dirty="0"/>
           </a:p>
         </p:txBody>
@@ -14442,7 +15364,7 @@
     </p:spTree>
     <p:extLst>
       <p:ext uri="{BB962C8B-B14F-4D97-AF65-F5344CB8AC3E}">
-        <p14:creationId xmlns:p14="http://schemas.microsoft.com/office/powerpoint/2010/main" val="4064485677"/>
+        <p14:creationId xmlns:p14="http://schemas.microsoft.com/office/powerpoint/2010/main" val="3205414342"/>
       </p:ext>
     </p:extLst>
   </p:cSld>
@@ -14484,7 +15406,11 @@
           <a:bodyPr/>
           <a:lstStyle/>
           <a:p>
-            <a:endParaRPr lang="en-US"/>
+            <a:r>
+              <a:rPr lang="en-US" dirty="0" smtClean="0"/>
+              <a:t>sample</a:t>
+            </a:r>
+            <a:endParaRPr lang="en-US" dirty="0"/>
           </a:p>
         </p:txBody>
       </p:sp>
@@ -14500,93 +15426,57 @@
         </p:nvSpPr>
         <p:spPr/>
         <p:txBody>
-          <a:bodyPr>
-            <a:normAutofit fontScale="92500" lnSpcReduction="20000"/>
-          </a:bodyPr>
+          <a:bodyPr/>
           <a:lstStyle/>
           <a:p>
             <a:r>
               <a:rPr lang="en-US" dirty="0"/>
-              <a:t>R</a:t>
-            </a:r>
+              <a:t>The sample usually represents </a:t>
+            </a:r>
+            <a:r>
+              <a:rPr lang="en-US" b="1" dirty="0"/>
+              <a:t>a subset of manageable size. </a:t>
+            </a:r>
+            <a:endParaRPr lang="en-US" b="1" dirty="0" smtClean="0"/>
+          </a:p>
+          <a:p>
             <a:r>
               <a:rPr lang="en-US" dirty="0" smtClean="0"/>
-              <a:t> studio download</a:t>
-            </a:r>
-          </a:p>
-          <a:p>
-            <a:r>
-              <a:rPr lang="en-US" dirty="0" smtClean="0">
-                <a:hlinkClick r:id="rId2"/>
+              <a:t>Samples </a:t>
+            </a:r>
+            <a:r>
+              <a:rPr lang="en-US" dirty="0"/>
+              <a:t>are collected and </a:t>
+            </a:r>
+            <a:r>
+              <a:rPr lang="en-US" dirty="0">
+                <a:hlinkClick r:id="rId2" tooltip="Statistic"/>
               </a:rPr>
-              <a:t>https://www.rstudio.com/products/rstudio/download/</a:t>
-            </a:r>
-            <a:endParaRPr lang="en-US" dirty="0" smtClean="0"/>
-          </a:p>
-          <a:p>
-            <a:r>
-              <a:rPr lang="en-US" dirty="0" smtClean="0"/>
-              <a:t>R studio Desktop (</a:t>
-            </a:r>
-            <a:r>
-              <a:rPr lang="en-US" dirty="0" err="1">
-                <a:hlinkClick r:id="rId3"/>
+              <a:t>statistics</a:t>
+            </a:r>
+            <a:r>
+              <a:rPr lang="en-US" dirty="0"/>
+              <a:t> are calculated from the samples, so that one can make </a:t>
+            </a:r>
+            <a:r>
+              <a:rPr lang="en-US" dirty="0">
+                <a:hlinkClick r:id="rId3" tooltip="Inference"/>
               </a:rPr>
-              <a:t>RStudio</a:t>
+              <a:t>inferences</a:t>
+            </a:r>
+            <a:r>
+              <a:rPr lang="en-US" dirty="0"/>
+              <a:t> or </a:t>
             </a:r>
             <a:r>
               <a:rPr lang="en-US" dirty="0">
-                <a:hlinkClick r:id="rId3"/>
+                <a:hlinkClick r:id="rId4" tooltip="Extrapolation"/>
               </a:rPr>
-              <a:t> 1.1.453 - Windows </a:t>
-            </a:r>
-            <a:r>
-              <a:rPr lang="en-US" dirty="0" smtClean="0">
-                <a:hlinkClick r:id="rId3"/>
-              </a:rPr>
-              <a:t>Vista/7/8/10</a:t>
-            </a:r>
-            <a:r>
-              <a:rPr lang="en-US" dirty="0" smtClean="0"/>
-              <a:t>)</a:t>
-            </a:r>
-          </a:p>
-          <a:p>
-            <a:r>
-              <a:rPr lang="en-US" dirty="0" smtClean="0"/>
-              <a:t>R studio server ( works only in Linux)</a:t>
-            </a:r>
-          </a:p>
-          <a:p>
-            <a:r>
-              <a:rPr lang="en-US" dirty="0" smtClean="0"/>
-              <a:t>R- shiny</a:t>
-            </a:r>
-          </a:p>
-          <a:p>
-            <a:r>
-              <a:rPr lang="en-US" dirty="0" smtClean="0">
-                <a:hlinkClick r:id="rId4"/>
-              </a:rPr>
-              <a:t>https://rstudio.cloud/</a:t>
-            </a:r>
-            <a:r>
-              <a:rPr lang="en-US" dirty="0" smtClean="0"/>
-              <a:t> ( Cloud – Azure, AWS </a:t>
-            </a:r>
-            <a:r>
-              <a:rPr lang="en-US" dirty="0" err="1" smtClean="0"/>
-              <a:t>etc</a:t>
-            </a:r>
-            <a:r>
-              <a:rPr lang="en-US" dirty="0" smtClean="0"/>
-              <a:t>)</a:t>
-            </a:r>
-          </a:p>
-          <a:p>
-            <a:r>
-              <a:rPr lang="en-US" dirty="0" smtClean="0"/>
-              <a:t>C:\R\R-3.5.0</a:t>
+              <a:t>extrapolations</a:t>
+            </a:r>
+            <a:r>
+              <a:rPr lang="en-US" dirty="0"/>
+              <a:t> from the sample to the population.</a:t>
             </a:r>
             <a:endParaRPr lang="en-US" dirty="0"/>
           </a:p>
@@ -14595,7 +15485,7 @@
     </p:spTree>
     <p:extLst>
       <p:ext uri="{BB962C8B-B14F-4D97-AF65-F5344CB8AC3E}">
-        <p14:creationId xmlns:p14="http://schemas.microsoft.com/office/powerpoint/2010/main" val="3102590734"/>
+        <p14:creationId xmlns:p14="http://schemas.microsoft.com/office/powerpoint/2010/main" val="2511182366"/>
       </p:ext>
     </p:extLst>
   </p:cSld>
@@ -14637,7 +15527,7 @@
           <a:bodyPr/>
           <a:lstStyle/>
           <a:p>
-            <a:endParaRPr lang="en-US"/>
+            <a:endParaRPr lang="en-US" dirty="0"/>
           </a:p>
         </p:txBody>
       </p:sp>
@@ -14658,46 +15548,62 @@
           <a:p>
             <a:r>
               <a:rPr lang="en-US" dirty="0" smtClean="0"/>
-              <a:t>R in scripts with .R ,.r,.</a:t>
+              <a:t>R Program Originated from “S” Language</a:t>
+            </a:r>
+          </a:p>
+          <a:p>
+            <a:r>
+              <a:rPr lang="en-US" dirty="0" smtClean="0"/>
+              <a:t>S by Rick Becker of Bell Labs</a:t>
+            </a:r>
+          </a:p>
+          <a:p>
+            <a:r>
+              <a:rPr lang="en-US" dirty="0" smtClean="0"/>
+              <a:t>Integrates suite of software</a:t>
+            </a:r>
+          </a:p>
+          <a:p>
+            <a:r>
+              <a:rPr lang="en-US" dirty="0" smtClean="0"/>
+              <a:t>R by Ross </a:t>
             </a:r>
             <a:r>
               <a:rPr lang="en-US" dirty="0" err="1" smtClean="0"/>
-              <a:t>Rda</a:t>
-            </a:r>
-            <a:endParaRPr lang="en-US" dirty="0" smtClean="0"/>
-          </a:p>
-          <a:p>
+              <a:t>Ihaka</a:t>
+            </a:r>
             <a:r>
               <a:rPr lang="en-US" dirty="0" smtClean="0"/>
-              <a:t>Source(“/path/</a:t>
-            </a:r>
-            <a:r>
-              <a:rPr lang="en-US" dirty="0" err="1" smtClean="0"/>
-              <a:t>file.R</a:t>
+              <a:t>, </a:t>
+            </a:r>
+            <a:r>
+              <a:rPr lang="en-US" dirty="0"/>
+              <a:t>R</a:t>
             </a:r>
             <a:r>
               <a:rPr lang="en-US" dirty="0" smtClean="0"/>
-              <a:t>”)</a:t>
+              <a:t>obert Gentleman ( R)</a:t>
             </a:r>
           </a:p>
           <a:p>
             <a:r>
               <a:rPr lang="en-US" dirty="0" smtClean="0"/>
-              <a:t>Sink for </a:t>
-            </a:r>
+              <a:t>First in 1993. stable version from 2000</a:t>
+            </a:r>
+          </a:p>
+          <a:p>
             <a:r>
               <a:rPr lang="en-US" dirty="0" smtClean="0"/>
-              <a:t>output</a:t>
-            </a:r>
-          </a:p>
-          <a:p>
-            <a:endParaRPr lang="en-US" dirty="0"/>
+              <a:t>General Public License</a:t>
+            </a:r>
           </a:p>
           <a:p>
             <a:r>
               <a:rPr lang="en-US" dirty="0" smtClean="0"/>
-              <a:t>Interactive in CMD line</a:t>
-            </a:r>
+              <a:t>Free cost</a:t>
+            </a:r>
+          </a:p>
+          <a:p>
             <a:endParaRPr lang="en-US" dirty="0" smtClean="0"/>
           </a:p>
           <a:p>
@@ -14708,13 +15614,20 @@
     </p:spTree>
     <p:extLst>
       <p:ext uri="{BB962C8B-B14F-4D97-AF65-F5344CB8AC3E}">
-        <p14:creationId xmlns:p14="http://schemas.microsoft.com/office/powerpoint/2010/main" val="392281418"/>
+        <p14:creationId xmlns:p14="http://schemas.microsoft.com/office/powerpoint/2010/main" val="2898031879"/>
       </p:ext>
     </p:extLst>
   </p:cSld>
   <p:clrMapOvr>
     <a:masterClrMapping/>
   </p:clrMapOvr>
+  <p:timing>
+    <p:tnLst>
+      <p:par>
+        <p:cTn id="1" dur="indefinite" restart="never" nodeType="tmRoot"/>
+      </p:par>
+    </p:tnLst>
+  </p:timing>
 </p:sld>
 </file>
 
@@ -14752,7 +15665,7 @@
           <a:p>
             <a:r>
               <a:rPr lang="en-US" dirty="0" smtClean="0"/>
-              <a:t>Validate</a:t>
+              <a:t>R Installation</a:t>
             </a:r>
             <a:endParaRPr lang="en-US" dirty="0"/>
           </a:p>
@@ -14775,101 +15688,45 @@
           <a:p>
             <a:r>
               <a:rPr lang="en-US" dirty="0" smtClean="0"/>
-              <a:t>G to R </a:t>
-            </a:r>
-            <a:r>
-              <a:rPr lang="en-US" dirty="0" err="1" smtClean="0"/>
-              <a:t>Gui</a:t>
+              <a:t>Download from </a:t>
+            </a:r>
+            <a:r>
+              <a:rPr lang="en-US" dirty="0" smtClean="0">
+                <a:hlinkClick r:id="rId2"/>
+              </a:rPr>
+              <a:t>https://cran.r-project.org/bin/windows/base/</a:t>
             </a:r>
             <a:endParaRPr lang="en-US" dirty="0" smtClean="0"/>
           </a:p>
           <a:p>
             <a:r>
               <a:rPr lang="en-US" dirty="0" smtClean="0"/>
-              <a:t>&gt; </a:t>
-            </a:r>
-            <a:r>
-              <a:rPr lang="en-US" b="1" dirty="0" err="1" smtClean="0">
-                <a:solidFill>
-                  <a:srgbClr val="FF0000"/>
-                </a:solidFill>
+              <a:t>Appropriate OS. ( windows /Linux/ Mac )</a:t>
+            </a:r>
+          </a:p>
+          <a:p>
+            <a:r>
+              <a:rPr lang="en-US" dirty="0" smtClean="0"/>
+              <a:t>Windows 32/64 bit</a:t>
+            </a:r>
+          </a:p>
+          <a:p>
+            <a:r>
+              <a:rPr lang="en-US" dirty="0" smtClean="0"/>
+              <a:t>64bit is high performance, Recommended</a:t>
+            </a:r>
+          </a:p>
+          <a:p>
+            <a:r>
+              <a:rPr lang="en-US" dirty="0" smtClean="0">
+                <a:hlinkClick r:id="rId3"/>
               </a:rPr>
-              <a:t>R.Version</a:t>
-            </a:r>
-            <a:r>
-              <a:rPr lang="en-US" b="1" dirty="0" smtClean="0">
-                <a:solidFill>
-                  <a:srgbClr val="FF0000"/>
-                </a:solidFill>
-              </a:rPr>
-              <a:t>()</a:t>
-            </a:r>
-          </a:p>
-          <a:p>
-            <a:endParaRPr lang="en-US" b="1" dirty="0">
-              <a:solidFill>
-                <a:srgbClr val="FF0000"/>
-              </a:solidFill>
-            </a:endParaRPr>
-          </a:p>
-          <a:p>
-            <a:r>
-              <a:rPr lang="en-US" b="1" dirty="0" smtClean="0">
-                <a:solidFill>
-                  <a:srgbClr val="FF0000"/>
-                </a:solidFill>
-              </a:rPr>
-              <a:t>&gt; </a:t>
-            </a:r>
-            <a:r>
-              <a:rPr lang="en-US" b="1" dirty="0" err="1" smtClean="0">
-                <a:solidFill>
-                  <a:srgbClr val="FF0000"/>
-                </a:solidFill>
-              </a:rPr>
-              <a:t>getwd</a:t>
-            </a:r>
-            <a:r>
-              <a:rPr lang="en-US" b="1" dirty="0" smtClean="0">
-                <a:solidFill>
-                  <a:srgbClr val="FF0000"/>
-                </a:solidFill>
-              </a:rPr>
-              <a:t>()</a:t>
-            </a:r>
-          </a:p>
-          <a:p>
-            <a:r>
-              <a:rPr lang="en-US" b="1" dirty="0" smtClean="0">
-                <a:solidFill>
-                  <a:srgbClr val="FF0000"/>
-                </a:solidFill>
-              </a:rPr>
-              <a:t>To Locate current working directory path</a:t>
-            </a:r>
-          </a:p>
-          <a:p>
-            <a:r>
-              <a:rPr lang="en-US" b="1" dirty="0" smtClean="0"/>
-              <a:t>C:/Users/radhapavan/Documents</a:t>
-            </a:r>
-            <a:endParaRPr lang="en-US" b="1" dirty="0" smtClean="0">
-              <a:solidFill>
-                <a:srgbClr val="FF0000"/>
-              </a:solidFill>
-            </a:endParaRPr>
-          </a:p>
-          <a:p>
-            <a:endParaRPr lang="en-US" b="1" dirty="0" smtClean="0">
-              <a:solidFill>
-                <a:srgbClr val="FF0000"/>
-              </a:solidFill>
-            </a:endParaRPr>
-          </a:p>
-          <a:p>
-            <a:endParaRPr lang="en-US" dirty="0" smtClean="0"/>
-          </a:p>
-          <a:p>
+              <a:t>https://cran.r-project.org/doc/manuals/r-release/R-intro.pdf</a:t>
+            </a:r>
+            <a:r>
+              <a:rPr lang="en-US" dirty="0" smtClean="0"/>
+              <a:t> </a:t>
+            </a:r>
             <a:endParaRPr lang="en-US" dirty="0"/>
           </a:p>
         </p:txBody>
@@ -14877,13 +15734,20 @@
     </p:spTree>
     <p:extLst>
       <p:ext uri="{BB962C8B-B14F-4D97-AF65-F5344CB8AC3E}">
-        <p14:creationId xmlns:p14="http://schemas.microsoft.com/office/powerpoint/2010/main" val="2084861810"/>
+        <p14:creationId xmlns:p14="http://schemas.microsoft.com/office/powerpoint/2010/main" val="3255854617"/>
       </p:ext>
     </p:extLst>
   </p:cSld>
   <p:clrMapOvr>
     <a:masterClrMapping/>
   </p:clrMapOvr>
+  <p:timing>
+    <p:tnLst>
+      <p:par>
+        <p:cTn id="1" dur="indefinite" restart="never" nodeType="tmRoot"/>
+      </p:par>
+    </p:tnLst>
+  </p:timing>
 </p:sld>
 </file>
 
